--- a/SOLID Software Design Principles.pptx
+++ b/SOLID Software Design Principles.pptx
@@ -78,9 +78,9 @@
     <p:sldId id="312" r:id="rId69"/>
     <p:sldId id="314" r:id="rId70"/>
     <p:sldId id="315" r:id="rId71"/>
-    <p:sldId id="323" r:id="rId72"/>
-    <p:sldId id="319" r:id="rId73"/>
-    <p:sldId id="341" r:id="rId74"/>
+    <p:sldId id="341" r:id="rId72"/>
+    <p:sldId id="323" r:id="rId73"/>
+    <p:sldId id="319" r:id="rId74"/>
     <p:sldId id="350" r:id="rId75"/>
     <p:sldId id="351" r:id="rId76"/>
     <p:sldId id="352" r:id="rId77"/>
@@ -2302,7 +2302,7 @@
             <a:fld id="{46B52E04-8F68-435C-880A-7C7B12D9BA2F}" type="slidenum">
               <a:rPr lang="en-US" smtClean="0"/>
               <a:pPr/>
-              <a:t>72</a:t>
+              <a:t>73</a:t>
             </a:fld>
             <a:endParaRPr lang="en-US"/>
           </a:p>
@@ -2965,14 +2965,6 @@
           </a:bodyPr>
           <a:lstStyle/>
           <a:p>
-            <a:r>
-              <a:rPr lang="en-US" dirty="0" smtClean="0"/>
-              <a:t>- Account doesn’t know</a:t>
-            </a:r>
-            <a:r>
-              <a:rPr lang="en-US" baseline="0" dirty="0" smtClean="0"/>
-              <a:t> anything about who holds the account</a:t>
-            </a:r>
             <a:endParaRPr lang="en-US" dirty="0"/>
           </a:p>
         </p:txBody>
@@ -8348,7 +8340,7 @@
         <p:spPr>
           <a:xfrm>
             <a:off x="457200" y="1600200"/>
-            <a:ext cx="8229600" cy="4495800"/>
+            <a:ext cx="8229600" cy="4724400"/>
           </a:xfrm>
           <a:solidFill>
             <a:schemeClr val="bg1">
@@ -8429,8 +8421,66 @@
                 <a:latin typeface="Courier New" pitchFamily="49" charset="0"/>
                 <a:cs typeface="Courier New" pitchFamily="49" charset="0"/>
               </a:rPr>
-              <a:t>    public decimal Balance { get; set; }</a:t>
-            </a:r>
+              <a:t>    public decimal Balance { get; set; </a:t>
+            </a:r>
+            <a:r>
+              <a:rPr lang="en-US" sz="1500" b="1" dirty="0" smtClean="0">
+                <a:latin typeface="Courier New" pitchFamily="49" charset="0"/>
+                <a:cs typeface="Courier New" pitchFamily="49" charset="0"/>
+              </a:rPr>
+              <a:t>}</a:t>
+            </a:r>
+          </a:p>
+          <a:p>
+            <a:pPr>
+              <a:buNone/>
+            </a:pPr>
+            <a:r>
+              <a:rPr lang="en-US" sz="1500" b="1" dirty="0" smtClean="0">
+                <a:latin typeface="Courier New" pitchFamily="49" charset="0"/>
+                <a:cs typeface="Courier New" pitchFamily="49" charset="0"/>
+              </a:rPr>
+              <a:t> </a:t>
+            </a:r>
+            <a:r>
+              <a:rPr lang="en-US" sz="1500" b="1" dirty="0" smtClean="0">
+                <a:latin typeface="Courier New" pitchFamily="49" charset="0"/>
+                <a:cs typeface="Courier New" pitchFamily="49" charset="0"/>
+              </a:rPr>
+              <a:t>   public </a:t>
+            </a:r>
+            <a:r>
+              <a:rPr lang="en-US" sz="1500" b="1" dirty="0" err="1" smtClean="0">
+                <a:latin typeface="Courier New" pitchFamily="49" charset="0"/>
+                <a:cs typeface="Courier New" pitchFamily="49" charset="0"/>
+              </a:rPr>
+              <a:t>IList</a:t>
+            </a:r>
+            <a:r>
+              <a:rPr lang="en-US" sz="1500" b="1" dirty="0" smtClean="0">
+                <a:latin typeface="Courier New" pitchFamily="49" charset="0"/>
+                <a:cs typeface="Courier New" pitchFamily="49" charset="0"/>
+              </a:rPr>
+              <a:t>&lt;Person&gt; </a:t>
+            </a:r>
+            <a:r>
+              <a:rPr lang="en-US" sz="1500" b="1" dirty="0" err="1" smtClean="0">
+                <a:latin typeface="Courier New" pitchFamily="49" charset="0"/>
+                <a:cs typeface="Courier New" pitchFamily="49" charset="0"/>
+              </a:rPr>
+              <a:t>AccountHolders</a:t>
+            </a:r>
+            <a:r>
+              <a:rPr lang="en-US" sz="1500" b="1" dirty="0" smtClean="0">
+                <a:latin typeface="Courier New" pitchFamily="49" charset="0"/>
+                <a:cs typeface="Courier New" pitchFamily="49" charset="0"/>
+              </a:rPr>
+              <a:t> { get; set; }</a:t>
+            </a:r>
+            <a:endParaRPr lang="en-US" sz="1500" b="1" dirty="0" smtClean="0">
+              <a:latin typeface="Courier New" pitchFamily="49" charset="0"/>
+              <a:cs typeface="Courier New" pitchFamily="49" charset="0"/>
+            </a:endParaRPr>
           </a:p>
           <a:p>
             <a:pPr>
@@ -13622,6 +13672,10 @@
           </p:nvPr>
         </p:nvSpPr>
         <p:spPr>
+          <a:xfrm>
+            <a:off x="457200" y="1600200"/>
+            <a:ext cx="8229600" cy="5257800"/>
+          </a:xfrm>
           <a:solidFill>
             <a:schemeClr val="bg1">
               <a:lumMod val="85000"/>
@@ -13630,7 +13684,7 @@
         </p:spPr>
         <p:txBody>
           <a:bodyPr>
-            <a:normAutofit lnSpcReduction="10000"/>
+            <a:noAutofit/>
           </a:bodyPr>
           <a:lstStyle/>
           <a:p>
@@ -13638,35 +13692,35 @@
               <a:buNone/>
             </a:pPr>
             <a:r>
-              <a:rPr lang="en-US" sz="1800" b="1" dirty="0" smtClean="0">
+              <a:rPr lang="en-US" sz="1600" b="1" dirty="0" smtClean="0">
                 <a:latin typeface="Courier New" pitchFamily="49" charset="0"/>
                 <a:cs typeface="Courier New" pitchFamily="49" charset="0"/>
               </a:rPr>
               <a:t>public void </a:t>
             </a:r>
             <a:r>
-              <a:rPr lang="en-US" sz="1800" b="1" dirty="0" err="1" smtClean="0">
+              <a:rPr lang="en-US" sz="1600" b="1" dirty="0" err="1" smtClean="0">
                 <a:latin typeface="Courier New" pitchFamily="49" charset="0"/>
                 <a:cs typeface="Courier New" pitchFamily="49" charset="0"/>
               </a:rPr>
               <a:t>SubmitOrder</a:t>
             </a:r>
             <a:r>
-              <a:rPr lang="en-US" sz="1800" b="1" dirty="0" smtClean="0">
+              <a:rPr lang="en-US" sz="1600" b="1" dirty="0" smtClean="0">
                 <a:latin typeface="Courier New" pitchFamily="49" charset="0"/>
                 <a:cs typeface="Courier New" pitchFamily="49" charset="0"/>
               </a:rPr>
               <a:t>(Order </a:t>
             </a:r>
             <a:r>
-              <a:rPr lang="en-US" sz="1800" b="1" dirty="0" err="1" smtClean="0">
+              <a:rPr lang="en-US" sz="1600" b="1" dirty="0" err="1" smtClean="0">
                 <a:latin typeface="Courier New" pitchFamily="49" charset="0"/>
                 <a:cs typeface="Courier New" pitchFamily="49" charset="0"/>
               </a:rPr>
               <a:t>order</a:t>
             </a:r>
             <a:r>
-              <a:rPr lang="en-US" sz="1800" b="1" dirty="0" smtClean="0">
+              <a:rPr lang="en-US" sz="1600" b="1" dirty="0" smtClean="0">
                 <a:latin typeface="Courier New" pitchFamily="49" charset="0"/>
                 <a:cs typeface="Courier New" pitchFamily="49" charset="0"/>
               </a:rPr>
@@ -13678,7 +13732,7 @@
               <a:buNone/>
             </a:pPr>
             <a:r>
-              <a:rPr lang="en-US" sz="1800" b="1" dirty="0" smtClean="0">
+              <a:rPr lang="en-US" sz="1600" b="1" dirty="0" smtClean="0">
                 <a:latin typeface="Courier New" pitchFamily="49" charset="0"/>
                 <a:cs typeface="Courier New" pitchFamily="49" charset="0"/>
               </a:rPr>
@@ -13690,37 +13744,61 @@
               <a:buNone/>
             </a:pPr>
             <a:r>
-              <a:rPr lang="en-US" sz="1800" b="1" dirty="0" smtClean="0">
-                <a:latin typeface="Courier New" pitchFamily="49" charset="0"/>
-                <a:cs typeface="Courier New" pitchFamily="49" charset="0"/>
-              </a:rPr>
-              <a:t>    if (</a:t>
-            </a:r>
-            <a:r>
-              <a:rPr lang="en-US" sz="1800" b="1" dirty="0" err="1" smtClean="0">
-                <a:latin typeface="Courier New" pitchFamily="49" charset="0"/>
-                <a:cs typeface="Courier New" pitchFamily="49" charset="0"/>
-              </a:rPr>
-              <a:t>order.Products.Count</a:t>
-            </a:r>
-            <a:r>
-              <a:rPr lang="en-US" sz="1800" b="1" dirty="0" smtClean="0">
-                <a:latin typeface="Courier New" pitchFamily="49" charset="0"/>
-                <a:cs typeface="Courier New" pitchFamily="49" charset="0"/>
-              </a:rPr>
-              <a:t> == 0)</a:t>
-            </a:r>
+              <a:rPr lang="en-US" sz="1600" b="1" dirty="0" smtClean="0">
+                <a:latin typeface="Courier New" pitchFamily="49" charset="0"/>
+                <a:cs typeface="Courier New" pitchFamily="49" charset="0"/>
+              </a:rPr>
+              <a:t> </a:t>
+            </a:r>
+            <a:r>
+              <a:rPr lang="en-US" sz="1600" b="1" dirty="0" smtClean="0">
+                <a:latin typeface="Courier New" pitchFamily="49" charset="0"/>
+                <a:cs typeface="Courier New" pitchFamily="49" charset="0"/>
+              </a:rPr>
+              <a:t>   </a:t>
+            </a:r>
+            <a:r>
+              <a:rPr lang="en-US" sz="1600" b="1" dirty="0" smtClean="0">
+                <a:solidFill>
+                  <a:srgbClr val="FF0000"/>
+                </a:solidFill>
+                <a:latin typeface="Courier New" pitchFamily="49" charset="0"/>
+                <a:cs typeface="Courier New" pitchFamily="49" charset="0"/>
+              </a:rPr>
+              <a:t>// validate order</a:t>
+            </a:r>
+            <a:endParaRPr lang="en-US" sz="1600" b="1" dirty="0" smtClean="0">
+              <a:solidFill>
+                <a:srgbClr val="FF0000"/>
+              </a:solidFill>
+              <a:latin typeface="Courier New" pitchFamily="49" charset="0"/>
+              <a:cs typeface="Courier New" pitchFamily="49" charset="0"/>
+            </a:endParaRPr>
           </a:p>
           <a:p>
             <a:pPr>
               <a:buNone/>
             </a:pPr>
             <a:r>
-              <a:rPr lang="en-US" sz="1800" b="1" dirty="0" smtClean="0">
-                <a:latin typeface="Courier New" pitchFamily="49" charset="0"/>
-                <a:cs typeface="Courier New" pitchFamily="49" charset="0"/>
-              </a:rPr>
-              <a:t>    {</a:t>
+              <a:rPr lang="en-US" sz="1600" b="1" dirty="0" smtClean="0">
+                <a:latin typeface="Courier New" pitchFamily="49" charset="0"/>
+                <a:cs typeface="Courier New" pitchFamily="49" charset="0"/>
+              </a:rPr>
+              <a:t>    if (</a:t>
+            </a:r>
+            <a:r>
+              <a:rPr lang="en-US" sz="1600" b="1" dirty="0" err="1" smtClean="0">
+                <a:latin typeface="Courier New" pitchFamily="49" charset="0"/>
+                <a:cs typeface="Courier New" pitchFamily="49" charset="0"/>
+              </a:rPr>
+              <a:t>order.Products.Count</a:t>
+            </a:r>
+            <a:r>
+              <a:rPr lang="en-US" sz="1600" b="1" dirty="0" smtClean="0">
+                <a:latin typeface="Courier New" pitchFamily="49" charset="0"/>
+                <a:cs typeface="Courier New" pitchFamily="49" charset="0"/>
+              </a:rPr>
+              <a:t> == 0)</a:t>
             </a:r>
           </a:p>
           <a:p>
@@ -13728,25 +13806,11 @@
               <a:buNone/>
             </a:pPr>
             <a:r>
-              <a:rPr lang="en-US" sz="1800" b="1" dirty="0" smtClean="0">
-                <a:latin typeface="Courier New" pitchFamily="49" charset="0"/>
-                <a:cs typeface="Courier New" pitchFamily="49" charset="0"/>
-              </a:rPr>
-              <a:t>        throw new </a:t>
-            </a:r>
-            <a:r>
-              <a:rPr lang="en-US" sz="1800" b="1" dirty="0" err="1" smtClean="0">
-                <a:latin typeface="Courier New" pitchFamily="49" charset="0"/>
-                <a:cs typeface="Courier New" pitchFamily="49" charset="0"/>
-              </a:rPr>
-              <a:t>InvalidOperationException</a:t>
-            </a:r>
-            <a:r>
-              <a:rPr lang="en-US" sz="1800" b="1" dirty="0" smtClean="0">
-                <a:latin typeface="Courier New" pitchFamily="49" charset="0"/>
-                <a:cs typeface="Courier New" pitchFamily="49" charset="0"/>
-              </a:rPr>
-              <a:t>(</a:t>
+              <a:rPr lang="en-US" sz="1600" b="1" dirty="0" smtClean="0">
+                <a:latin typeface="Courier New" pitchFamily="49" charset="0"/>
+                <a:cs typeface="Courier New" pitchFamily="49" charset="0"/>
+              </a:rPr>
+              <a:t>    {</a:t>
             </a:r>
           </a:p>
           <a:p>
@@ -13754,11 +13818,25 @@
               <a:buNone/>
             </a:pPr>
             <a:r>
-              <a:rPr lang="en-US" sz="1800" b="1" dirty="0" smtClean="0">
-                <a:latin typeface="Courier New" pitchFamily="49" charset="0"/>
-                <a:cs typeface="Courier New" pitchFamily="49" charset="0"/>
-              </a:rPr>
-              <a:t>            "Select a product.");</a:t>
+              <a:rPr lang="en-US" sz="1600" b="1" dirty="0" smtClean="0">
+                <a:latin typeface="Courier New" pitchFamily="49" charset="0"/>
+                <a:cs typeface="Courier New" pitchFamily="49" charset="0"/>
+              </a:rPr>
+              <a:t>        throw new </a:t>
+            </a:r>
+            <a:r>
+              <a:rPr lang="en-US" sz="1600" b="1" dirty="0" err="1" smtClean="0">
+                <a:latin typeface="Courier New" pitchFamily="49" charset="0"/>
+                <a:cs typeface="Courier New" pitchFamily="49" charset="0"/>
+              </a:rPr>
+              <a:t>InvalidOperationException</a:t>
+            </a:r>
+            <a:r>
+              <a:rPr lang="en-US" sz="1600" b="1" dirty="0" smtClean="0">
+                <a:latin typeface="Courier New" pitchFamily="49" charset="0"/>
+                <a:cs typeface="Courier New" pitchFamily="49" charset="0"/>
+              </a:rPr>
+              <a:t>(</a:t>
             </a:r>
           </a:p>
           <a:p>
@@ -13766,11 +13844,11 @@
               <a:buNone/>
             </a:pPr>
             <a:r>
-              <a:rPr lang="en-US" sz="1800" b="1" dirty="0" smtClean="0">
-                <a:latin typeface="Courier New" pitchFamily="49" charset="0"/>
-                <a:cs typeface="Courier New" pitchFamily="49" charset="0"/>
-              </a:rPr>
-              <a:t>    }</a:t>
+              <a:rPr lang="en-US" sz="1600" b="1" dirty="0" smtClean="0">
+                <a:latin typeface="Courier New" pitchFamily="49" charset="0"/>
+                <a:cs typeface="Courier New" pitchFamily="49" charset="0"/>
+              </a:rPr>
+              <a:t>            "Select a product.");</a:t>
             </a:r>
           </a:p>
           <a:p>
@@ -13778,11 +13856,11 @@
               <a:buNone/>
             </a:pPr>
             <a:r>
-              <a:rPr lang="en-US" sz="1800" b="1" dirty="0" smtClean="0">
-                <a:latin typeface="Courier New" pitchFamily="49" charset="0"/>
-                <a:cs typeface="Courier New" pitchFamily="49" charset="0"/>
-              </a:rPr>
-              <a:t>    </a:t>
+              <a:rPr lang="en-US" sz="1600" b="1" dirty="0" smtClean="0">
+                <a:latin typeface="Courier New" pitchFamily="49" charset="0"/>
+                <a:cs typeface="Courier New" pitchFamily="49" charset="0"/>
+              </a:rPr>
+              <a:t>    }</a:t>
             </a:r>
           </a:p>
           <a:p>
@@ -13790,77 +13868,84 @@
               <a:buNone/>
             </a:pPr>
             <a:r>
-              <a:rPr lang="en-US" sz="1800" b="1" dirty="0" smtClean="0">
+              <a:rPr lang="en-US" sz="1600" b="1" dirty="0" smtClean="0">
                 <a:latin typeface="Courier New" pitchFamily="49" charset="0"/>
                 <a:cs typeface="Courier New" pitchFamily="49" charset="0"/>
               </a:rPr>
               <a:t>    </a:t>
             </a:r>
-            <a:r>
-              <a:rPr lang="en-US" sz="1800" b="1" dirty="0" err="1" smtClean="0">
-                <a:latin typeface="Courier New" pitchFamily="49" charset="0"/>
-                <a:cs typeface="Courier New" pitchFamily="49" charset="0"/>
-              </a:rPr>
-              <a:t>order.Tax</a:t>
-            </a:r>
-            <a:r>
-              <a:rPr lang="en-US" sz="1800" b="1" dirty="0" smtClean="0">
-                <a:latin typeface="Courier New" pitchFamily="49" charset="0"/>
-                <a:cs typeface="Courier New" pitchFamily="49" charset="0"/>
-              </a:rPr>
-              <a:t> = </a:t>
-            </a:r>
-            <a:r>
-              <a:rPr lang="en-US" sz="1800" b="1" dirty="0" err="1" smtClean="0">
-                <a:latin typeface="Courier New" pitchFamily="49" charset="0"/>
-                <a:cs typeface="Courier New" pitchFamily="49" charset="0"/>
-              </a:rPr>
-              <a:t>order.Subtotal</a:t>
-            </a:r>
-            <a:r>
-              <a:rPr lang="en-US" sz="1800" b="1" dirty="0" smtClean="0">
-                <a:latin typeface="Courier New" pitchFamily="49" charset="0"/>
-                <a:cs typeface="Courier New" pitchFamily="49" charset="0"/>
-              </a:rPr>
-              <a:t> * 1.0675;</a:t>
-            </a:r>
+            <a:endParaRPr lang="en-US" sz="1600" b="1" dirty="0" smtClean="0">
+              <a:latin typeface="Courier New" pitchFamily="49" charset="0"/>
+              <a:cs typeface="Courier New" pitchFamily="49" charset="0"/>
+            </a:endParaRPr>
           </a:p>
           <a:p>
             <a:pPr>
               <a:buNone/>
             </a:pPr>
             <a:r>
-              <a:rPr lang="en-US" sz="1800" b="1" dirty="0" smtClean="0">
+              <a:rPr lang="en-US" sz="1600" b="1" dirty="0" smtClean="0">
                 <a:latin typeface="Courier New" pitchFamily="49" charset="0"/>
                 <a:cs typeface="Courier New" pitchFamily="49" charset="0"/>
               </a:rPr>
               <a:t>    </a:t>
             </a:r>
+            <a:r>
+              <a:rPr lang="en-US" sz="1600" b="1" dirty="0" smtClean="0">
+                <a:solidFill>
+                  <a:srgbClr val="FF0000"/>
+                </a:solidFill>
+                <a:latin typeface="Courier New" pitchFamily="49" charset="0"/>
+                <a:cs typeface="Courier New" pitchFamily="49" charset="0"/>
+              </a:rPr>
+              <a:t>// calculate tax</a:t>
+            </a:r>
+            <a:endParaRPr lang="en-US" sz="1600" b="1" dirty="0" smtClean="0">
+              <a:solidFill>
+                <a:srgbClr val="FF0000"/>
+              </a:solidFill>
+              <a:latin typeface="Courier New" pitchFamily="49" charset="0"/>
+              <a:cs typeface="Courier New" pitchFamily="49" charset="0"/>
+            </a:endParaRPr>
           </a:p>
           <a:p>
             <a:pPr>
               <a:buNone/>
             </a:pPr>
             <a:r>
-              <a:rPr lang="en-US" sz="1800" b="1" dirty="0" smtClean="0">
-                <a:latin typeface="Courier New" pitchFamily="49" charset="0"/>
-                <a:cs typeface="Courier New" pitchFamily="49" charset="0"/>
-              </a:rPr>
-              <a:t>    if (</a:t>
-            </a:r>
-            <a:r>
-              <a:rPr lang="en-US" sz="1800" b="1" dirty="0" err="1" smtClean="0">
+              <a:rPr lang="en-US" sz="1600" b="1" dirty="0" smtClean="0">
+                <a:latin typeface="Courier New" pitchFamily="49" charset="0"/>
+                <a:cs typeface="Courier New" pitchFamily="49" charset="0"/>
+              </a:rPr>
+              <a:t>    </a:t>
+            </a:r>
+            <a:r>
+              <a:rPr lang="en-US" sz="1600" b="1" dirty="0" err="1" smtClean="0">
+                <a:latin typeface="Courier New" pitchFamily="49" charset="0"/>
+                <a:cs typeface="Courier New" pitchFamily="49" charset="0"/>
+              </a:rPr>
+              <a:t>order.Tax</a:t>
+            </a:r>
+            <a:r>
+              <a:rPr lang="en-US" sz="1600" b="1" dirty="0" smtClean="0">
+                <a:latin typeface="Courier New" pitchFamily="49" charset="0"/>
+                <a:cs typeface="Courier New" pitchFamily="49" charset="0"/>
+              </a:rPr>
+              <a:t> = </a:t>
+            </a:r>
+            <a:r>
+              <a:rPr lang="en-US" sz="1600" b="1" dirty="0" err="1" smtClean="0">
                 <a:latin typeface="Courier New" pitchFamily="49" charset="0"/>
                 <a:cs typeface="Courier New" pitchFamily="49" charset="0"/>
               </a:rPr>
               <a:t>order.Subtotal</a:t>
             </a:r>
             <a:r>
-              <a:rPr lang="en-US" sz="1800" b="1" dirty="0" smtClean="0">
-                <a:latin typeface="Courier New" pitchFamily="49" charset="0"/>
-                <a:cs typeface="Courier New" pitchFamily="49" charset="0"/>
-              </a:rPr>
-              <a:t> &lt; 25)</a:t>
+              <a:rPr lang="en-US" sz="1600" b="1" dirty="0" smtClean="0">
+                <a:latin typeface="Courier New" pitchFamily="49" charset="0"/>
+                <a:cs typeface="Courier New" pitchFamily="49" charset="0"/>
+              </a:rPr>
+              <a:t> * 1.0675;</a:t>
             </a:r>
           </a:p>
           <a:p>
@@ -13868,63 +13953,77 @@
               <a:buNone/>
             </a:pPr>
             <a:r>
-              <a:rPr lang="en-US" sz="1800" b="1" dirty="0" smtClean="0">
-                <a:latin typeface="Courier New" pitchFamily="49" charset="0"/>
-                <a:cs typeface="Courier New" pitchFamily="49" charset="0"/>
-              </a:rPr>
-              <a:t>        </a:t>
-            </a:r>
-            <a:r>
-              <a:rPr lang="en-US" sz="1800" b="1" dirty="0" err="1" smtClean="0">
-                <a:latin typeface="Courier New" pitchFamily="49" charset="0"/>
-                <a:cs typeface="Courier New" pitchFamily="49" charset="0"/>
-              </a:rPr>
-              <a:t>order.ShippingCharges</a:t>
-            </a:r>
-            <a:r>
-              <a:rPr lang="en-US" sz="1800" b="1" dirty="0" smtClean="0">
-                <a:latin typeface="Courier New" pitchFamily="49" charset="0"/>
-                <a:cs typeface="Courier New" pitchFamily="49" charset="0"/>
-              </a:rPr>
-              <a:t> = 5;</a:t>
-            </a:r>
+              <a:rPr lang="en-US" sz="1600" b="1" dirty="0" smtClean="0">
+                <a:latin typeface="Courier New" pitchFamily="49" charset="0"/>
+                <a:cs typeface="Courier New" pitchFamily="49" charset="0"/>
+              </a:rPr>
+              <a:t>    </a:t>
+            </a:r>
+            <a:endParaRPr lang="en-US" sz="1600" b="1" dirty="0" smtClean="0">
+              <a:latin typeface="Courier New" pitchFamily="49" charset="0"/>
+              <a:cs typeface="Courier New" pitchFamily="49" charset="0"/>
+            </a:endParaRPr>
           </a:p>
           <a:p>
             <a:pPr>
               <a:buNone/>
             </a:pPr>
             <a:r>
-              <a:rPr lang="en-US" sz="1800" b="1" dirty="0" smtClean="0">
-                <a:latin typeface="Courier New" pitchFamily="49" charset="0"/>
-                <a:cs typeface="Courier New" pitchFamily="49" charset="0"/>
-              </a:rPr>
-              <a:t>    else</a:t>
-            </a:r>
+              <a:rPr lang="en-US" sz="1600" b="1" dirty="0" smtClean="0">
+                <a:latin typeface="Courier New" pitchFamily="49" charset="0"/>
+                <a:cs typeface="Courier New" pitchFamily="49" charset="0"/>
+              </a:rPr>
+              <a:t> </a:t>
+            </a:r>
+            <a:r>
+              <a:rPr lang="en-US" sz="1600" b="1" dirty="0" smtClean="0">
+                <a:latin typeface="Courier New" pitchFamily="49" charset="0"/>
+                <a:cs typeface="Courier New" pitchFamily="49" charset="0"/>
+              </a:rPr>
+              <a:t>   </a:t>
+            </a:r>
+            <a:r>
+              <a:rPr lang="en-US" sz="1600" b="1" dirty="0" smtClean="0">
+                <a:solidFill>
+                  <a:srgbClr val="FF0000"/>
+                </a:solidFill>
+                <a:latin typeface="Courier New" pitchFamily="49" charset="0"/>
+                <a:cs typeface="Courier New" pitchFamily="49" charset="0"/>
+              </a:rPr>
+              <a:t>// calculate shipping</a:t>
+            </a:r>
+            <a:endParaRPr lang="en-US" sz="1600" b="1" dirty="0" smtClean="0">
+              <a:solidFill>
+                <a:srgbClr val="FF0000"/>
+              </a:solidFill>
+              <a:latin typeface="Courier New" pitchFamily="49" charset="0"/>
+              <a:cs typeface="Courier New" pitchFamily="49" charset="0"/>
+            </a:endParaRPr>
           </a:p>
           <a:p>
             <a:pPr>
               <a:buNone/>
             </a:pPr>
             <a:r>
-              <a:rPr lang="en-US" sz="1800" b="1" dirty="0" smtClean="0">
-                <a:latin typeface="Courier New" pitchFamily="49" charset="0"/>
-                <a:cs typeface="Courier New" pitchFamily="49" charset="0"/>
-              </a:rPr>
-              <a:t>        </a:t>
-            </a:r>
-            <a:r>
-              <a:rPr lang="en-US" sz="1800" b="1" dirty="0" err="1" smtClean="0">
-                <a:latin typeface="Courier New" pitchFamily="49" charset="0"/>
-                <a:cs typeface="Courier New" pitchFamily="49" charset="0"/>
-              </a:rPr>
-              <a:t>order.ShippingCharges</a:t>
-            </a:r>
-            <a:r>
-              <a:rPr lang="en-US" sz="1800" b="1" dirty="0" smtClean="0">
-                <a:latin typeface="Courier New" pitchFamily="49" charset="0"/>
-                <a:cs typeface="Courier New" pitchFamily="49" charset="0"/>
-              </a:rPr>
-              <a:t> = 10;</a:t>
+              <a:rPr lang="en-US" sz="1600" b="1" dirty="0" smtClean="0">
+                <a:latin typeface="Courier New" pitchFamily="49" charset="0"/>
+                <a:cs typeface="Courier New" pitchFamily="49" charset="0"/>
+              </a:rPr>
+              <a:t>    if (</a:t>
+            </a:r>
+            <a:r>
+              <a:rPr lang="en-US" sz="1600" b="1" dirty="0" err="1" smtClean="0">
+                <a:latin typeface="Courier New" pitchFamily="49" charset="0"/>
+                <a:cs typeface="Courier New" pitchFamily="49" charset="0"/>
+              </a:rPr>
+              <a:t>order.Subtotal</a:t>
+            </a:r>
+            <a:r>
+              <a:rPr lang="en-US" sz="1600" b="1" dirty="0" smtClean="0">
+                <a:latin typeface="Courier New" pitchFamily="49" charset="0"/>
+                <a:cs typeface="Courier New" pitchFamily="49" charset="0"/>
+              </a:rPr>
+              <a:t> &lt; 25)</a:t>
             </a:r>
           </a:p>
           <a:p>
@@ -13932,11 +14031,25 @@
               <a:buNone/>
             </a:pPr>
             <a:r>
-              <a:rPr lang="en-US" sz="1800" b="1" dirty="0" smtClean="0">
+              <a:rPr lang="en-US" sz="1600" b="1" dirty="0" smtClean="0">
                 <a:latin typeface="Courier New" pitchFamily="49" charset="0"/>
                 <a:cs typeface="Courier New" pitchFamily="49" charset="0"/>
               </a:rPr>
               <a:t>        </a:t>
+            </a:r>
+            <a:r>
+              <a:rPr lang="en-US" sz="1600" b="1" dirty="0" err="1" smtClean="0">
+                <a:latin typeface="Courier New" pitchFamily="49" charset="0"/>
+                <a:cs typeface="Courier New" pitchFamily="49" charset="0"/>
+              </a:rPr>
+              <a:t>order.ShippingCharges</a:t>
+            </a:r>
+            <a:r>
+              <a:rPr lang="en-US" sz="1600" b="1" dirty="0" smtClean="0">
+                <a:latin typeface="Courier New" pitchFamily="49" charset="0"/>
+                <a:cs typeface="Courier New" pitchFamily="49" charset="0"/>
+              </a:rPr>
+              <a:t> = 5;</a:t>
             </a:r>
           </a:p>
           <a:p>
@@ -13944,25 +14057,11 @@
               <a:buNone/>
             </a:pPr>
             <a:r>
-              <a:rPr lang="en-US" sz="1800" b="1" dirty="0" smtClean="0">
-                <a:latin typeface="Courier New" pitchFamily="49" charset="0"/>
-                <a:cs typeface="Courier New" pitchFamily="49" charset="0"/>
-              </a:rPr>
-              <a:t>    _</a:t>
-            </a:r>
-            <a:r>
-              <a:rPr lang="en-US" sz="1800" b="1" dirty="0" err="1" smtClean="0">
-                <a:latin typeface="Courier New" pitchFamily="49" charset="0"/>
-                <a:cs typeface="Courier New" pitchFamily="49" charset="0"/>
-              </a:rPr>
-              <a:t>orderSubmissionService.SubmitOrder</a:t>
-            </a:r>
-            <a:r>
-              <a:rPr lang="en-US" sz="1800" b="1" dirty="0" smtClean="0">
-                <a:latin typeface="Courier New" pitchFamily="49" charset="0"/>
-                <a:cs typeface="Courier New" pitchFamily="49" charset="0"/>
-              </a:rPr>
-              <a:t>(order);</a:t>
+              <a:rPr lang="en-US" sz="1600" b="1" dirty="0" smtClean="0">
+                <a:latin typeface="Courier New" pitchFamily="49" charset="0"/>
+                <a:cs typeface="Courier New" pitchFamily="49" charset="0"/>
+              </a:rPr>
+              <a:t>    else</a:t>
             </a:r>
           </a:p>
           <a:p>
@@ -13970,13 +14069,110 @@
               <a:buNone/>
             </a:pPr>
             <a:r>
-              <a:rPr lang="en-US" sz="1800" b="1" dirty="0" smtClean="0">
+              <a:rPr lang="en-US" sz="1600" b="1" dirty="0" smtClean="0">
+                <a:latin typeface="Courier New" pitchFamily="49" charset="0"/>
+                <a:cs typeface="Courier New" pitchFamily="49" charset="0"/>
+              </a:rPr>
+              <a:t>        </a:t>
+            </a:r>
+            <a:r>
+              <a:rPr lang="en-US" sz="1600" b="1" dirty="0" err="1" smtClean="0">
+                <a:latin typeface="Courier New" pitchFamily="49" charset="0"/>
+                <a:cs typeface="Courier New" pitchFamily="49" charset="0"/>
+              </a:rPr>
+              <a:t>order.ShippingCharges</a:t>
+            </a:r>
+            <a:r>
+              <a:rPr lang="en-US" sz="1600" b="1" dirty="0" smtClean="0">
+                <a:latin typeface="Courier New" pitchFamily="49" charset="0"/>
+                <a:cs typeface="Courier New" pitchFamily="49" charset="0"/>
+              </a:rPr>
+              <a:t> = 10;</a:t>
+            </a:r>
+          </a:p>
+          <a:p>
+            <a:pPr>
+              <a:buNone/>
+            </a:pPr>
+            <a:r>
+              <a:rPr lang="en-US" sz="1600" b="1" dirty="0" smtClean="0">
+                <a:latin typeface="Courier New" pitchFamily="49" charset="0"/>
+                <a:cs typeface="Courier New" pitchFamily="49" charset="0"/>
+              </a:rPr>
+              <a:t>        </a:t>
+            </a:r>
+            <a:endParaRPr lang="en-US" sz="1600" b="1" dirty="0" smtClean="0">
+              <a:latin typeface="Courier New" pitchFamily="49" charset="0"/>
+              <a:cs typeface="Courier New" pitchFamily="49" charset="0"/>
+            </a:endParaRPr>
+          </a:p>
+          <a:p>
+            <a:pPr>
+              <a:buNone/>
+            </a:pPr>
+            <a:r>
+              <a:rPr lang="en-US" sz="1600" b="1" dirty="0" smtClean="0">
+                <a:latin typeface="Courier New" pitchFamily="49" charset="0"/>
+                <a:cs typeface="Courier New" pitchFamily="49" charset="0"/>
+              </a:rPr>
+              <a:t>    </a:t>
+            </a:r>
+            <a:r>
+              <a:rPr lang="en-US" sz="1600" b="1" dirty="0" smtClean="0">
+                <a:solidFill>
+                  <a:srgbClr val="FF0000"/>
+                </a:solidFill>
+                <a:latin typeface="Courier New" pitchFamily="49" charset="0"/>
+                <a:cs typeface="Courier New" pitchFamily="49" charset="0"/>
+              </a:rPr>
+              <a:t>// submit order</a:t>
+            </a:r>
+            <a:endParaRPr lang="en-US" sz="1600" b="1" dirty="0" smtClean="0">
+              <a:solidFill>
+                <a:srgbClr val="FF0000"/>
+              </a:solidFill>
+              <a:latin typeface="Courier New" pitchFamily="49" charset="0"/>
+              <a:cs typeface="Courier New" pitchFamily="49" charset="0"/>
+            </a:endParaRPr>
+          </a:p>
+          <a:p>
+            <a:pPr>
+              <a:buNone/>
+            </a:pPr>
+            <a:r>
+              <a:rPr lang="en-US" sz="1600" b="1" dirty="0" smtClean="0">
+                <a:latin typeface="Courier New" pitchFamily="49" charset="0"/>
+                <a:cs typeface="Courier New" pitchFamily="49" charset="0"/>
+              </a:rPr>
+              <a:t>    _</a:t>
+            </a:r>
+            <a:r>
+              <a:rPr lang="en-US" sz="1600" b="1" dirty="0" err="1" smtClean="0">
+                <a:latin typeface="Courier New" pitchFamily="49" charset="0"/>
+                <a:cs typeface="Courier New" pitchFamily="49" charset="0"/>
+              </a:rPr>
+              <a:t>orderSubmissionService.SubmitOrder</a:t>
+            </a:r>
+            <a:r>
+              <a:rPr lang="en-US" sz="1600" b="1" dirty="0" smtClean="0">
+                <a:latin typeface="Courier New" pitchFamily="49" charset="0"/>
+                <a:cs typeface="Courier New" pitchFamily="49" charset="0"/>
+              </a:rPr>
+              <a:t>(order);</a:t>
+            </a:r>
+          </a:p>
+          <a:p>
+            <a:pPr>
+              <a:buNone/>
+            </a:pPr>
+            <a:r>
+              <a:rPr lang="en-US" sz="1600" b="1" dirty="0" smtClean="0">
                 <a:latin typeface="Courier New" pitchFamily="49" charset="0"/>
                 <a:cs typeface="Courier New" pitchFamily="49" charset="0"/>
               </a:rPr>
               <a:t>}</a:t>
             </a:r>
-            <a:endParaRPr lang="en-US" sz="1800" b="1" dirty="0">
+            <a:endParaRPr lang="en-US" sz="1600" b="1" dirty="0">
               <a:latin typeface="Courier New" pitchFamily="49" charset="0"/>
               <a:cs typeface="Courier New" pitchFamily="49" charset="0"/>
             </a:endParaRPr>
@@ -22423,15 +22619,7 @@
             </a:br>
             <a:r>
               <a:rPr lang="en-US" b="1" i="1" dirty="0" smtClean="0"/>
-              <a:t>The </a:t>
-            </a:r>
-            <a:r>
-              <a:rPr lang="en-US" b="1" i="1" dirty="0" smtClean="0"/>
-              <a:t>main reason </a:t>
-            </a:r>
-            <a:r>
-              <a:rPr lang="en-US" b="1" i="1" dirty="0" smtClean="0"/>
-              <a:t>for the Dependency Inversion Principle is to help us write unit tests.</a:t>
+              <a:t>The main reason for the Dependency Inversion Principle is to help us write unit tests.</a:t>
             </a:r>
           </a:p>
           <a:p>
@@ -22444,6 +22632,13 @@
   <p:clrMapOvr>
     <a:masterClrMapping/>
   </p:clrMapOvr>
+  <p:timing>
+    <p:tnLst>
+      <p:par>
+        <p:cTn id="1" dur="indefinite" restart="never" nodeType="tmRoot"/>
+      </p:par>
+    </p:tnLst>
+  </p:timing>
 </p:sld>
 </file>
 
@@ -23484,7 +23679,7 @@
         <p:spPr>
           <a:xfrm>
             <a:off x="609600" y="2514600"/>
-            <a:ext cx="8077200" cy="1200329"/>
+            <a:ext cx="8077200" cy="2031325"/>
           </a:xfrm>
           <a:prstGeom prst="rect">
             <a:avLst/>
@@ -23542,15 +23737,60 @@
                 <a:latin typeface="Courier New" pitchFamily="49" charset="0"/>
                 <a:cs typeface="Courier New" pitchFamily="49" charset="0"/>
               </a:rPr>
-              <a:t>CurrentUser</a:t>
+              <a:t>GetCurrentUser</a:t>
             </a:r>
             <a:r>
               <a:rPr lang="en-US" b="1" dirty="0" smtClean="0">
                 <a:latin typeface="Courier New" pitchFamily="49" charset="0"/>
                 <a:cs typeface="Courier New" pitchFamily="49" charset="0"/>
               </a:rPr>
-              <a:t> { get; set; }</a:t>
-            </a:r>
+              <a:t>()</a:t>
+            </a:r>
+          </a:p>
+          <a:p>
+            <a:r>
+              <a:rPr lang="en-US" b="1" dirty="0" smtClean="0">
+                <a:latin typeface="Courier New" pitchFamily="49" charset="0"/>
+                <a:cs typeface="Courier New" pitchFamily="49" charset="0"/>
+              </a:rPr>
+              <a:t>    {</a:t>
+            </a:r>
+          </a:p>
+          <a:p>
+            <a:r>
+              <a:rPr lang="en-US" b="1" dirty="0" smtClean="0">
+                <a:latin typeface="Courier New" pitchFamily="49" charset="0"/>
+                <a:cs typeface="Courier New" pitchFamily="49" charset="0"/>
+              </a:rPr>
+              <a:t> </a:t>
+            </a:r>
+            <a:r>
+              <a:rPr lang="en-US" b="1" dirty="0" smtClean="0">
+                <a:latin typeface="Courier New" pitchFamily="49" charset="0"/>
+                <a:cs typeface="Courier New" pitchFamily="49" charset="0"/>
+              </a:rPr>
+              <a:t>       // do something</a:t>
+            </a:r>
+          </a:p>
+          <a:p>
+            <a:r>
+              <a:rPr lang="en-US" b="1" dirty="0" smtClean="0">
+                <a:latin typeface="Courier New" pitchFamily="49" charset="0"/>
+                <a:cs typeface="Courier New" pitchFamily="49" charset="0"/>
+              </a:rPr>
+              <a:t> </a:t>
+            </a:r>
+            <a:r>
+              <a:rPr lang="en-US" b="1" dirty="0" smtClean="0">
+                <a:latin typeface="Courier New" pitchFamily="49" charset="0"/>
+                <a:cs typeface="Courier New" pitchFamily="49" charset="0"/>
+              </a:rPr>
+              <a:t>   }</a:t>
+            </a:r>
+            <a:endParaRPr lang="en-US" b="1" dirty="0" smtClean="0">
+              <a:latin typeface="Courier New" pitchFamily="49" charset="0"/>
+              <a:cs typeface="Courier New" pitchFamily="49" charset="0"/>
+            </a:endParaRPr>
           </a:p>
           <a:p>
             <a:r>
@@ -23865,6 +24105,34 @@
           </a:p>
         </p:txBody>
       </p:sp>
+      <p:sp>
+        <p:nvSpPr>
+          <p:cNvPr id="6" name="Rectangle 5"/>
+          <p:cNvSpPr/>
+          <p:nvPr/>
+        </p:nvSpPr>
+        <p:spPr>
+          <a:xfrm>
+            <a:off x="3854496" y="3244334"/>
+            <a:ext cx="1435008" cy="369332"/>
+          </a:xfrm>
+          <a:prstGeom prst="rect">
+            <a:avLst/>
+          </a:prstGeom>
+        </p:spPr>
+        <p:txBody>
+          <a:bodyPr wrap="none">
+            <a:spAutoFit/>
+          </a:bodyPr>
+          <a:lstStyle/>
+          <a:p>
+            <a:r>
+              <a:rPr lang="en-US" dirty="0" smtClean="0"/>
+              <a:t> return order</a:t>
+            </a:r>
+          </a:p>
+        </p:txBody>
+      </p:sp>
     </p:spTree>
   </p:cSld>
   <p:clrMapOvr>
@@ -23881,6 +24149,465 @@
 </file>
 
 <file path=ppt/slides/slide71.xml><?xml version="1.0" encoding="utf-8"?>
+<p:sld xmlns:a="http://schemas.openxmlformats.org/drawingml/2006/main" xmlns:r="http://schemas.openxmlformats.org/officeDocument/2006/relationships" xmlns:p="http://schemas.openxmlformats.org/presentationml/2006/main">
+  <p:cSld>
+    <p:spTree>
+      <p:nvGrpSpPr>
+        <p:cNvPr id="1" name=""/>
+        <p:cNvGrpSpPr/>
+        <p:nvPr/>
+      </p:nvGrpSpPr>
+      <p:grpSpPr>
+        <a:xfrm>
+          <a:off x="0" y="0"/>
+          <a:ext cx="0" cy="0"/>
+          <a:chOff x="0" y="0"/>
+          <a:chExt cx="0" cy="0"/>
+        </a:xfrm>
+      </p:grpSpPr>
+      <p:sp>
+        <p:nvSpPr>
+          <p:cNvPr id="2" name="Title 1"/>
+          <p:cNvSpPr>
+            <a:spLocks noGrp="1"/>
+          </p:cNvSpPr>
+          <p:nvPr>
+            <p:ph type="title"/>
+          </p:nvPr>
+        </p:nvSpPr>
+        <p:spPr/>
+        <p:txBody>
+          <a:bodyPr>
+            <a:normAutofit fontScale="90000"/>
+          </a:bodyPr>
+          <a:lstStyle/>
+          <a:p>
+            <a:r>
+              <a:rPr lang="en-US" dirty="0" smtClean="0"/>
+              <a:t>Enabling DIP – </a:t>
+            </a:r>
+            <a:r>
+              <a:rPr lang="en-US" dirty="0"/>
+              <a:t>C</a:t>
+            </a:r>
+            <a:r>
+              <a:rPr lang="en-US" dirty="0" smtClean="0"/>
+              <a:t>onstructor </a:t>
+            </a:r>
+            <a:r>
+              <a:rPr lang="en-US" dirty="0"/>
+              <a:t>I</a:t>
+            </a:r>
+            <a:r>
+              <a:rPr lang="en-US" dirty="0" smtClean="0"/>
+              <a:t>njection</a:t>
+            </a:r>
+            <a:endParaRPr lang="en-US" dirty="0"/>
+          </a:p>
+        </p:txBody>
+      </p:sp>
+      <p:sp>
+        <p:nvSpPr>
+          <p:cNvPr id="4" name="TextBox 3"/>
+          <p:cNvSpPr txBox="1"/>
+          <p:nvPr/>
+        </p:nvSpPr>
+        <p:spPr>
+          <a:xfrm>
+            <a:off x="609600" y="1600200"/>
+            <a:ext cx="8077200" cy="4524315"/>
+          </a:xfrm>
+          <a:prstGeom prst="rect">
+            <a:avLst/>
+          </a:prstGeom>
+          <a:solidFill>
+            <a:schemeClr val="bg1">
+              <a:lumMod val="85000"/>
+            </a:schemeClr>
+          </a:solidFill>
+        </p:spPr>
+        <p:txBody>
+          <a:bodyPr wrap="square" rtlCol="0">
+            <a:spAutoFit/>
+          </a:bodyPr>
+          <a:lstStyle/>
+          <a:p>
+            <a:r>
+              <a:rPr lang="en-US" b="1" dirty="0" smtClean="0">
+                <a:latin typeface="Courier New" pitchFamily="49" charset="0"/>
+                <a:cs typeface="Courier New" pitchFamily="49" charset="0"/>
+              </a:rPr>
+              <a:t>public class </a:t>
+            </a:r>
+            <a:r>
+              <a:rPr lang="en-US" b="1" dirty="0" err="1" smtClean="0">
+                <a:latin typeface="Courier New" pitchFamily="49" charset="0"/>
+                <a:cs typeface="Courier New" pitchFamily="49" charset="0"/>
+              </a:rPr>
+              <a:t>GetProductService</a:t>
+            </a:r>
+            <a:r>
+              <a:rPr lang="en-US" b="1" dirty="0" smtClean="0">
+                <a:latin typeface="Courier New" pitchFamily="49" charset="0"/>
+                <a:cs typeface="Courier New" pitchFamily="49" charset="0"/>
+              </a:rPr>
+              <a:t> : </a:t>
+            </a:r>
+            <a:r>
+              <a:rPr lang="en-US" b="1" dirty="0" err="1" smtClean="0">
+                <a:solidFill>
+                  <a:srgbClr val="FF0000"/>
+                </a:solidFill>
+                <a:latin typeface="Courier New" pitchFamily="49" charset="0"/>
+                <a:cs typeface="Courier New" pitchFamily="49" charset="0"/>
+              </a:rPr>
+              <a:t>IGetProductService</a:t>
+            </a:r>
+            <a:endParaRPr lang="en-US" b="1" dirty="0" smtClean="0">
+              <a:solidFill>
+                <a:srgbClr val="FF0000"/>
+              </a:solidFill>
+              <a:latin typeface="Courier New" pitchFamily="49" charset="0"/>
+              <a:cs typeface="Courier New" pitchFamily="49" charset="0"/>
+            </a:endParaRPr>
+          </a:p>
+          <a:p>
+            <a:r>
+              <a:rPr lang="en-US" b="1" dirty="0" smtClean="0">
+                <a:latin typeface="Courier New" pitchFamily="49" charset="0"/>
+                <a:cs typeface="Courier New" pitchFamily="49" charset="0"/>
+              </a:rPr>
+              <a:t>{</a:t>
+            </a:r>
+          </a:p>
+          <a:p>
+            <a:r>
+              <a:rPr lang="en-US" b="1" dirty="0" smtClean="0">
+                <a:latin typeface="Courier New" pitchFamily="49" charset="0"/>
+                <a:cs typeface="Courier New" pitchFamily="49" charset="0"/>
+              </a:rPr>
+              <a:t>    private </a:t>
+            </a:r>
+            <a:r>
+              <a:rPr lang="en-US" b="1" dirty="0" err="1" smtClean="0">
+                <a:latin typeface="Courier New" pitchFamily="49" charset="0"/>
+                <a:cs typeface="Courier New" pitchFamily="49" charset="0"/>
+              </a:rPr>
+              <a:t>IProductRepository</a:t>
+            </a:r>
+            <a:r>
+              <a:rPr lang="en-US" b="1" dirty="0" smtClean="0">
+                <a:latin typeface="Courier New" pitchFamily="49" charset="0"/>
+                <a:cs typeface="Courier New" pitchFamily="49" charset="0"/>
+              </a:rPr>
+              <a:t> _</a:t>
+            </a:r>
+            <a:r>
+              <a:rPr lang="en-US" b="1" dirty="0" err="1" smtClean="0">
+                <a:latin typeface="Courier New" pitchFamily="49" charset="0"/>
+                <a:cs typeface="Courier New" pitchFamily="49" charset="0"/>
+              </a:rPr>
+              <a:t>productRepository</a:t>
+            </a:r>
+            <a:r>
+              <a:rPr lang="en-US" b="1" dirty="0" smtClean="0">
+                <a:latin typeface="Courier New" pitchFamily="49" charset="0"/>
+                <a:cs typeface="Courier New" pitchFamily="49" charset="0"/>
+              </a:rPr>
+              <a:t>;</a:t>
+            </a:r>
+          </a:p>
+          <a:p>
+            <a:endParaRPr lang="en-US" b="1" dirty="0" smtClean="0">
+              <a:latin typeface="Courier New" pitchFamily="49" charset="0"/>
+              <a:cs typeface="Courier New" pitchFamily="49" charset="0"/>
+            </a:endParaRPr>
+          </a:p>
+          <a:p>
+            <a:r>
+              <a:rPr lang="en-US" b="1" dirty="0" smtClean="0">
+                <a:latin typeface="Courier New" pitchFamily="49" charset="0"/>
+                <a:cs typeface="Courier New" pitchFamily="49" charset="0"/>
+              </a:rPr>
+              <a:t>    public </a:t>
+            </a:r>
+            <a:r>
+              <a:rPr lang="en-US" b="1" dirty="0" err="1" smtClean="0">
+                <a:latin typeface="Courier New" pitchFamily="49" charset="0"/>
+                <a:cs typeface="Courier New" pitchFamily="49" charset="0"/>
+              </a:rPr>
+              <a:t>GetProductService</a:t>
+            </a:r>
+            <a:r>
+              <a:rPr lang="en-US" b="1" dirty="0" smtClean="0">
+                <a:latin typeface="Courier New" pitchFamily="49" charset="0"/>
+                <a:cs typeface="Courier New" pitchFamily="49" charset="0"/>
+              </a:rPr>
+              <a:t>(</a:t>
+            </a:r>
+          </a:p>
+          <a:p>
+            <a:r>
+              <a:rPr lang="en-US" b="1" dirty="0" smtClean="0">
+                <a:latin typeface="Courier New" pitchFamily="49" charset="0"/>
+                <a:cs typeface="Courier New" pitchFamily="49" charset="0"/>
+              </a:rPr>
+              <a:t>        </a:t>
+            </a:r>
+            <a:r>
+              <a:rPr lang="en-US" b="1" dirty="0" err="1" smtClean="0">
+                <a:solidFill>
+                  <a:srgbClr val="FF0000"/>
+                </a:solidFill>
+                <a:latin typeface="Courier New" pitchFamily="49" charset="0"/>
+                <a:cs typeface="Courier New" pitchFamily="49" charset="0"/>
+              </a:rPr>
+              <a:t>IProductRepository</a:t>
+            </a:r>
+            <a:r>
+              <a:rPr lang="en-US" b="1" dirty="0" smtClean="0">
+                <a:solidFill>
+                  <a:srgbClr val="FF0000"/>
+                </a:solidFill>
+                <a:latin typeface="Courier New" pitchFamily="49" charset="0"/>
+                <a:cs typeface="Courier New" pitchFamily="49" charset="0"/>
+              </a:rPr>
+              <a:t> </a:t>
+            </a:r>
+            <a:r>
+              <a:rPr lang="en-US" b="1" dirty="0" err="1" smtClean="0">
+                <a:solidFill>
+                  <a:srgbClr val="FF0000"/>
+                </a:solidFill>
+                <a:latin typeface="Courier New" pitchFamily="49" charset="0"/>
+                <a:cs typeface="Courier New" pitchFamily="49" charset="0"/>
+              </a:rPr>
+              <a:t>productRepository</a:t>
+            </a:r>
+            <a:r>
+              <a:rPr lang="en-US" b="1" dirty="0" smtClean="0">
+                <a:latin typeface="Courier New" pitchFamily="49" charset="0"/>
+                <a:cs typeface="Courier New" pitchFamily="49" charset="0"/>
+              </a:rPr>
+              <a:t>)</a:t>
+            </a:r>
+          </a:p>
+          <a:p>
+            <a:r>
+              <a:rPr lang="en-US" b="1" dirty="0" smtClean="0">
+                <a:latin typeface="Courier New" pitchFamily="49" charset="0"/>
+                <a:cs typeface="Courier New" pitchFamily="49" charset="0"/>
+              </a:rPr>
+              <a:t>    {</a:t>
+            </a:r>
+          </a:p>
+          <a:p>
+            <a:r>
+              <a:rPr lang="en-US" b="1" dirty="0" smtClean="0">
+                <a:latin typeface="Courier New" pitchFamily="49" charset="0"/>
+                <a:cs typeface="Courier New" pitchFamily="49" charset="0"/>
+              </a:rPr>
+              <a:t>        _</a:t>
+            </a:r>
+            <a:r>
+              <a:rPr lang="en-US" b="1" dirty="0" err="1" smtClean="0">
+                <a:latin typeface="Courier New" pitchFamily="49" charset="0"/>
+                <a:cs typeface="Courier New" pitchFamily="49" charset="0"/>
+              </a:rPr>
+              <a:t>productRepository</a:t>
+            </a:r>
+            <a:r>
+              <a:rPr lang="en-US" b="1" dirty="0" smtClean="0">
+                <a:latin typeface="Courier New" pitchFamily="49" charset="0"/>
+                <a:cs typeface="Courier New" pitchFamily="49" charset="0"/>
+              </a:rPr>
+              <a:t> = </a:t>
+            </a:r>
+            <a:r>
+              <a:rPr lang="en-US" b="1" dirty="0" err="1" smtClean="0">
+                <a:latin typeface="Courier New" pitchFamily="49" charset="0"/>
+                <a:cs typeface="Courier New" pitchFamily="49" charset="0"/>
+              </a:rPr>
+              <a:t>productRepository</a:t>
+            </a:r>
+            <a:r>
+              <a:rPr lang="en-US" b="1" dirty="0" smtClean="0">
+                <a:latin typeface="Courier New" pitchFamily="49" charset="0"/>
+                <a:cs typeface="Courier New" pitchFamily="49" charset="0"/>
+              </a:rPr>
+              <a:t>;</a:t>
+            </a:r>
+          </a:p>
+          <a:p>
+            <a:r>
+              <a:rPr lang="en-US" b="1" dirty="0" smtClean="0">
+                <a:latin typeface="Courier New" pitchFamily="49" charset="0"/>
+                <a:cs typeface="Courier New" pitchFamily="49" charset="0"/>
+              </a:rPr>
+              <a:t>    }</a:t>
+            </a:r>
+          </a:p>
+          <a:p>
+            <a:endParaRPr lang="en-US" b="1" dirty="0" smtClean="0">
+              <a:latin typeface="Courier New" pitchFamily="49" charset="0"/>
+              <a:cs typeface="Courier New" pitchFamily="49" charset="0"/>
+            </a:endParaRPr>
+          </a:p>
+          <a:p>
+            <a:r>
+              <a:rPr lang="en-US" b="1" dirty="0" smtClean="0">
+                <a:latin typeface="Courier New" pitchFamily="49" charset="0"/>
+                <a:cs typeface="Courier New" pitchFamily="49" charset="0"/>
+              </a:rPr>
+              <a:t>    public </a:t>
+            </a:r>
+            <a:r>
+              <a:rPr lang="en-US" b="1" dirty="0" err="1" smtClean="0">
+                <a:latin typeface="Courier New" pitchFamily="49" charset="0"/>
+                <a:cs typeface="Courier New" pitchFamily="49" charset="0"/>
+              </a:rPr>
+              <a:t>IList</a:t>
+            </a:r>
+            <a:r>
+              <a:rPr lang="en-US" b="1" dirty="0" smtClean="0">
+                <a:latin typeface="Courier New" pitchFamily="49" charset="0"/>
+                <a:cs typeface="Courier New" pitchFamily="49" charset="0"/>
+              </a:rPr>
+              <a:t>&lt;Product&gt; </a:t>
+            </a:r>
+            <a:r>
+              <a:rPr lang="en-US" b="1" dirty="0" err="1" smtClean="0">
+                <a:latin typeface="Courier New" pitchFamily="49" charset="0"/>
+                <a:cs typeface="Courier New" pitchFamily="49" charset="0"/>
+              </a:rPr>
+              <a:t>GetProductById</a:t>
+            </a:r>
+            <a:r>
+              <a:rPr lang="en-US" b="1" dirty="0" smtClean="0">
+                <a:latin typeface="Courier New" pitchFamily="49" charset="0"/>
+                <a:cs typeface="Courier New" pitchFamily="49" charset="0"/>
+              </a:rPr>
+              <a:t>(</a:t>
+            </a:r>
+            <a:r>
+              <a:rPr lang="en-US" b="1" dirty="0" err="1" smtClean="0">
+                <a:latin typeface="Courier New" pitchFamily="49" charset="0"/>
+                <a:cs typeface="Courier New" pitchFamily="49" charset="0"/>
+              </a:rPr>
+              <a:t>int</a:t>
+            </a:r>
+            <a:r>
+              <a:rPr lang="en-US" b="1" dirty="0" smtClean="0">
+                <a:latin typeface="Courier New" pitchFamily="49" charset="0"/>
+                <a:cs typeface="Courier New" pitchFamily="49" charset="0"/>
+              </a:rPr>
+              <a:t> id)</a:t>
+            </a:r>
+          </a:p>
+          <a:p>
+            <a:r>
+              <a:rPr lang="en-US" b="1" dirty="0" smtClean="0">
+                <a:latin typeface="Courier New" pitchFamily="49" charset="0"/>
+                <a:cs typeface="Courier New" pitchFamily="49" charset="0"/>
+              </a:rPr>
+              <a:t>    {</a:t>
+            </a:r>
+          </a:p>
+          <a:p>
+            <a:r>
+              <a:rPr lang="en-US" b="1" dirty="0" smtClean="0">
+                <a:latin typeface="Courier New" pitchFamily="49" charset="0"/>
+                <a:cs typeface="Courier New" pitchFamily="49" charset="0"/>
+              </a:rPr>
+              <a:t>        return _</a:t>
+            </a:r>
+            <a:r>
+              <a:rPr lang="en-US" b="1" dirty="0" err="1" smtClean="0">
+                <a:latin typeface="Courier New" pitchFamily="49" charset="0"/>
+                <a:cs typeface="Courier New" pitchFamily="49" charset="0"/>
+              </a:rPr>
+              <a:t>productRepository.Get</a:t>
+            </a:r>
+            <a:r>
+              <a:rPr lang="en-US" b="1" dirty="0" smtClean="0">
+                <a:latin typeface="Courier New" pitchFamily="49" charset="0"/>
+                <a:cs typeface="Courier New" pitchFamily="49" charset="0"/>
+              </a:rPr>
+              <a:t>(id);</a:t>
+            </a:r>
+          </a:p>
+          <a:p>
+            <a:r>
+              <a:rPr lang="en-US" b="1" dirty="0" smtClean="0">
+                <a:latin typeface="Courier New" pitchFamily="49" charset="0"/>
+                <a:cs typeface="Courier New" pitchFamily="49" charset="0"/>
+              </a:rPr>
+              <a:t>    }</a:t>
+            </a:r>
+          </a:p>
+          <a:p>
+            <a:r>
+              <a:rPr lang="en-US" b="1" dirty="0" smtClean="0">
+                <a:latin typeface="Courier New" pitchFamily="49" charset="0"/>
+                <a:cs typeface="Courier New" pitchFamily="49" charset="0"/>
+              </a:rPr>
+              <a:t>}</a:t>
+            </a:r>
+          </a:p>
+          <a:p>
+            <a:endParaRPr lang="en-US" b="1" dirty="0">
+              <a:latin typeface="Courier New" pitchFamily="49" charset="0"/>
+              <a:cs typeface="Courier New" pitchFamily="49" charset="0"/>
+            </a:endParaRPr>
+          </a:p>
+        </p:txBody>
+      </p:sp>
+      <p:sp>
+        <p:nvSpPr>
+          <p:cNvPr id="5" name="TextBox 4"/>
+          <p:cNvSpPr txBox="1"/>
+          <p:nvPr/>
+        </p:nvSpPr>
+        <p:spPr>
+          <a:xfrm>
+            <a:off x="609600" y="6248400"/>
+            <a:ext cx="5588389" cy="461665"/>
+          </a:xfrm>
+          <a:prstGeom prst="rect">
+            <a:avLst/>
+          </a:prstGeom>
+          <a:noFill/>
+        </p:spPr>
+        <p:txBody>
+          <a:bodyPr wrap="none" rtlCol="0">
+            <a:spAutoFit/>
+          </a:bodyPr>
+          <a:lstStyle/>
+          <a:p>
+            <a:r>
+              <a:rPr lang="en-US" sz="2400" b="1" i="1" dirty="0" smtClean="0"/>
+              <a:t>Problem: How do we create these objects?</a:t>
+            </a:r>
+            <a:endParaRPr lang="en-US" sz="2400" b="1" i="1" dirty="0"/>
+          </a:p>
+        </p:txBody>
+      </p:sp>
+    </p:spTree>
+  </p:cSld>
+  <p:clrMapOvr>
+    <a:masterClrMapping/>
+  </p:clrMapOvr>
+  <p:timing>
+    <p:tnLst>
+      <p:par>
+        <p:cTn id="1" dur="indefinite" restart="never" nodeType="tmRoot"/>
+      </p:par>
+    </p:tnLst>
+  </p:timing>
+</p:sld>
+</file>
+
+<file path=ppt/slides/slide72.xml><?xml version="1.0" encoding="utf-8"?>
 <p:sld xmlns:a="http://schemas.openxmlformats.org/drawingml/2006/main" xmlns:r="http://schemas.openxmlformats.org/officeDocument/2006/relationships" xmlns:p="http://schemas.openxmlformats.org/presentationml/2006/main">
   <p:cSld>
     <p:spTree>
@@ -24312,152 +25039,6 @@
 </p:sld>
 </file>
 
-<file path=ppt/slides/slide72.xml><?xml version="1.0" encoding="utf-8"?>
-<p:sld xmlns:a="http://schemas.openxmlformats.org/drawingml/2006/main" xmlns:r="http://schemas.openxmlformats.org/officeDocument/2006/relationships" xmlns:p="http://schemas.openxmlformats.org/presentationml/2006/main">
-  <p:cSld>
-    <p:spTree>
-      <p:nvGrpSpPr>
-        <p:cNvPr id="1" name=""/>
-        <p:cNvGrpSpPr/>
-        <p:nvPr/>
-      </p:nvGrpSpPr>
-      <p:grpSpPr>
-        <a:xfrm>
-          <a:off x="0" y="0"/>
-          <a:ext cx="0" cy="0"/>
-          <a:chOff x="0" y="0"/>
-          <a:chExt cx="0" cy="0"/>
-        </a:xfrm>
-      </p:grpSpPr>
-      <p:sp>
-        <p:nvSpPr>
-          <p:cNvPr id="2" name="Title 1"/>
-          <p:cNvSpPr>
-            <a:spLocks noGrp="1"/>
-          </p:cNvSpPr>
-          <p:nvPr>
-            <p:ph type="title"/>
-          </p:nvPr>
-        </p:nvSpPr>
-        <p:spPr/>
-        <p:txBody>
-          <a:bodyPr/>
-          <a:lstStyle/>
-          <a:p>
-            <a:r>
-              <a:rPr lang="en-US" dirty="0" smtClean="0"/>
-              <a:t>DI Containers</a:t>
-            </a:r>
-            <a:endParaRPr lang="en-US" dirty="0"/>
-          </a:p>
-        </p:txBody>
-      </p:sp>
-      <p:sp>
-        <p:nvSpPr>
-          <p:cNvPr id="3" name="Content Placeholder 2"/>
-          <p:cNvSpPr>
-            <a:spLocks noGrp="1"/>
-          </p:cNvSpPr>
-          <p:nvPr>
-            <p:ph idx="1"/>
-          </p:nvPr>
-        </p:nvSpPr>
-        <p:spPr/>
-        <p:txBody>
-          <a:bodyPr>
-            <a:normAutofit/>
-          </a:bodyPr>
-          <a:lstStyle/>
-          <a:p>
-            <a:r>
-              <a:rPr lang="en-US" dirty="0" smtClean="0"/>
-              <a:t>Popular .NET choices: </a:t>
-            </a:r>
-          </a:p>
-          <a:p>
-            <a:pPr lvl="1"/>
-            <a:r>
-              <a:rPr lang="en-US" sz="2800" dirty="0" smtClean="0"/>
-              <a:t>StructureMap, </a:t>
-            </a:r>
-            <a:r>
-              <a:rPr lang="en-US" sz="2800" dirty="0" err="1" smtClean="0"/>
-              <a:t>Ninject</a:t>
-            </a:r>
-            <a:endParaRPr lang="en-US" sz="2800" dirty="0" smtClean="0"/>
-          </a:p>
-          <a:p>
-            <a:r>
-              <a:rPr lang="en-US" dirty="0" smtClean="0"/>
-              <a:t>Other .NET choices: </a:t>
-            </a:r>
-          </a:p>
-          <a:p>
-            <a:pPr lvl="1"/>
-            <a:r>
-              <a:rPr lang="en-US" sz="2800" dirty="0" smtClean="0"/>
-              <a:t>Unity, Castle Windsor, </a:t>
-            </a:r>
-            <a:r>
-              <a:rPr lang="en-US" sz="2800" dirty="0" err="1" smtClean="0"/>
-              <a:t>Autofac</a:t>
-            </a:r>
-            <a:r>
-              <a:rPr lang="en-US" sz="2800" dirty="0" smtClean="0"/>
-              <a:t>, Spring .NET</a:t>
-            </a:r>
-          </a:p>
-          <a:p>
-            <a:r>
-              <a:rPr lang="en-US" dirty="0" smtClean="0"/>
-              <a:t>Java</a:t>
-            </a:r>
-          </a:p>
-          <a:p>
-            <a:pPr lvl="1"/>
-            <a:r>
-              <a:rPr lang="en-US" sz="2800" dirty="0" smtClean="0"/>
-              <a:t>Spring</a:t>
-            </a:r>
-          </a:p>
-          <a:p>
-            <a:r>
-              <a:rPr lang="en-US" dirty="0" smtClean="0"/>
-              <a:t>Ruby</a:t>
-            </a:r>
-          </a:p>
-          <a:p>
-            <a:pPr lvl="1"/>
-            <a:r>
-              <a:rPr lang="en-US" sz="2800" dirty="0" smtClean="0"/>
-              <a:t>We don’t need no </a:t>
-            </a:r>
-            <a:r>
-              <a:rPr lang="en-US" sz="2800" dirty="0" err="1" smtClean="0"/>
-              <a:t>stinkin</a:t>
-            </a:r>
-            <a:r>
-              <a:rPr lang="en-US" sz="2800" dirty="0" smtClean="0"/>
-              <a:t>’ DI containers!</a:t>
-            </a:r>
-          </a:p>
-        </p:txBody>
-      </p:sp>
-    </p:spTree>
-  </p:cSld>
-  <p:clrMapOvr>
-    <a:masterClrMapping/>
-  </p:clrMapOvr>
-  <p:timing>
-    <p:tnLst>
-      <p:par>
-        <p:cTn id="1" dur="indefinite" restart="never" nodeType="tmRoot"/>
-      </p:par>
-    </p:tnLst>
-  </p:timing>
-</p:sld>
-</file>
-
 <file path=ppt/slides/slide73.xml><?xml version="1.0" encoding="utf-8"?>
 <p:sld xmlns:a="http://schemas.openxmlformats.org/drawingml/2006/main" xmlns:r="http://schemas.openxmlformats.org/officeDocument/2006/relationships" xmlns:p="http://schemas.openxmlformats.org/presentationml/2006/main">
   <p:cSld>
@@ -24487,388 +25068,105 @@
         </p:nvSpPr>
         <p:spPr/>
         <p:txBody>
+          <a:bodyPr/>
+          <a:lstStyle/>
+          <a:p>
+            <a:r>
+              <a:rPr lang="en-US" dirty="0" smtClean="0"/>
+              <a:t>DI Containers</a:t>
+            </a:r>
+            <a:endParaRPr lang="en-US" dirty="0"/>
+          </a:p>
+        </p:txBody>
+      </p:sp>
+      <p:sp>
+        <p:nvSpPr>
+          <p:cNvPr id="3" name="Content Placeholder 2"/>
+          <p:cNvSpPr>
+            <a:spLocks noGrp="1"/>
+          </p:cNvSpPr>
+          <p:nvPr>
+            <p:ph idx="1"/>
+          </p:nvPr>
+        </p:nvSpPr>
+        <p:spPr/>
+        <p:txBody>
           <a:bodyPr>
-            <a:normAutofit fontScale="90000"/>
+            <a:normAutofit/>
           </a:bodyPr>
           <a:lstStyle/>
           <a:p>
             <a:r>
               <a:rPr lang="en-US" dirty="0" smtClean="0"/>
-              <a:t>Enabling DIP – </a:t>
-            </a:r>
-            <a:r>
-              <a:rPr lang="en-US" dirty="0"/>
-              <a:t>C</a:t>
-            </a:r>
+              <a:t>Popular .NET choices: </a:t>
+            </a:r>
+          </a:p>
+          <a:p>
+            <a:pPr lvl="1"/>
+            <a:r>
+              <a:rPr lang="en-US" sz="2800" dirty="0" smtClean="0"/>
+              <a:t>StructureMap, </a:t>
+            </a:r>
+            <a:r>
+              <a:rPr lang="en-US" sz="2800" dirty="0" err="1" smtClean="0"/>
+              <a:t>Ninject</a:t>
+            </a:r>
+            <a:endParaRPr lang="en-US" sz="2800" dirty="0" smtClean="0"/>
+          </a:p>
+          <a:p>
             <a:r>
               <a:rPr lang="en-US" dirty="0" smtClean="0"/>
-              <a:t>onstructor </a:t>
-            </a:r>
-            <a:r>
-              <a:rPr lang="en-US" dirty="0"/>
-              <a:t>I</a:t>
-            </a:r>
+              <a:t>Other .NET choices: </a:t>
+            </a:r>
+          </a:p>
+          <a:p>
+            <a:pPr lvl="1"/>
+            <a:r>
+              <a:rPr lang="en-US" sz="2800" dirty="0" smtClean="0"/>
+              <a:t>Unity, Castle Windsor, </a:t>
+            </a:r>
+            <a:r>
+              <a:rPr lang="en-US" sz="2800" dirty="0" err="1" smtClean="0"/>
+              <a:t>Autofac</a:t>
+            </a:r>
+            <a:r>
+              <a:rPr lang="en-US" sz="2800" dirty="0" smtClean="0"/>
+              <a:t>, Spring .NET</a:t>
+            </a:r>
+          </a:p>
+          <a:p>
             <a:r>
               <a:rPr lang="en-US" dirty="0" smtClean="0"/>
-              <a:t>njection</a:t>
-            </a:r>
-            <a:endParaRPr lang="en-US" dirty="0"/>
-          </a:p>
-        </p:txBody>
-      </p:sp>
-      <p:sp>
-        <p:nvSpPr>
-          <p:cNvPr id="4" name="TextBox 3"/>
-          <p:cNvSpPr txBox="1"/>
-          <p:nvPr/>
-        </p:nvSpPr>
-        <p:spPr>
-          <a:xfrm>
-            <a:off x="609600" y="1600200"/>
-            <a:ext cx="8077200" cy="4524315"/>
-          </a:xfrm>
-          <a:prstGeom prst="rect">
-            <a:avLst/>
-          </a:prstGeom>
-          <a:solidFill>
-            <a:schemeClr val="bg1">
-              <a:lumMod val="85000"/>
-            </a:schemeClr>
-          </a:solidFill>
-        </p:spPr>
-        <p:txBody>
-          <a:bodyPr wrap="square" rtlCol="0">
-            <a:spAutoFit/>
-          </a:bodyPr>
-          <a:lstStyle/>
-          <a:p>
-            <a:r>
-              <a:rPr lang="en-US" b="1" dirty="0" smtClean="0">
-                <a:latin typeface="Courier New" pitchFamily="49" charset="0"/>
-                <a:cs typeface="Courier New" pitchFamily="49" charset="0"/>
-              </a:rPr>
-              <a:t>public class </a:t>
-            </a:r>
-            <a:r>
-              <a:rPr lang="en-US" b="1" dirty="0" err="1" smtClean="0">
-                <a:latin typeface="Courier New" pitchFamily="49" charset="0"/>
-                <a:cs typeface="Courier New" pitchFamily="49" charset="0"/>
-              </a:rPr>
-              <a:t>GetProductService</a:t>
-            </a:r>
-            <a:r>
-              <a:rPr lang="en-US" b="1" dirty="0" smtClean="0">
-                <a:latin typeface="Courier New" pitchFamily="49" charset="0"/>
-                <a:cs typeface="Courier New" pitchFamily="49" charset="0"/>
-              </a:rPr>
-              <a:t> : </a:t>
-            </a:r>
-            <a:r>
-              <a:rPr lang="en-US" b="1" dirty="0" err="1" smtClean="0">
-                <a:solidFill>
-                  <a:srgbClr val="FF0000"/>
-                </a:solidFill>
-                <a:latin typeface="Courier New" pitchFamily="49" charset="0"/>
-                <a:cs typeface="Courier New" pitchFamily="49" charset="0"/>
-              </a:rPr>
-              <a:t>IGetProductService</a:t>
-            </a:r>
-            <a:endParaRPr lang="en-US" b="1" dirty="0" smtClean="0">
-              <a:solidFill>
-                <a:srgbClr val="FF0000"/>
-              </a:solidFill>
-              <a:latin typeface="Courier New" pitchFamily="49" charset="0"/>
-              <a:cs typeface="Courier New" pitchFamily="49" charset="0"/>
-            </a:endParaRPr>
-          </a:p>
-          <a:p>
-            <a:r>
-              <a:rPr lang="en-US" b="1" dirty="0" smtClean="0">
-                <a:latin typeface="Courier New" pitchFamily="49" charset="0"/>
-                <a:cs typeface="Courier New" pitchFamily="49" charset="0"/>
-              </a:rPr>
-              <a:t>{</a:t>
-            </a:r>
-          </a:p>
-          <a:p>
-            <a:r>
-              <a:rPr lang="en-US" b="1" dirty="0" smtClean="0">
-                <a:latin typeface="Courier New" pitchFamily="49" charset="0"/>
-                <a:cs typeface="Courier New" pitchFamily="49" charset="0"/>
-              </a:rPr>
-              <a:t>    private </a:t>
-            </a:r>
-            <a:r>
-              <a:rPr lang="en-US" b="1" dirty="0" err="1" smtClean="0">
-                <a:latin typeface="Courier New" pitchFamily="49" charset="0"/>
-                <a:cs typeface="Courier New" pitchFamily="49" charset="0"/>
-              </a:rPr>
-              <a:t>IProductRepository</a:t>
-            </a:r>
-            <a:r>
-              <a:rPr lang="en-US" b="1" dirty="0" smtClean="0">
-                <a:latin typeface="Courier New" pitchFamily="49" charset="0"/>
-                <a:cs typeface="Courier New" pitchFamily="49" charset="0"/>
-              </a:rPr>
-              <a:t> _</a:t>
-            </a:r>
-            <a:r>
-              <a:rPr lang="en-US" b="1" dirty="0" err="1" smtClean="0">
-                <a:latin typeface="Courier New" pitchFamily="49" charset="0"/>
-                <a:cs typeface="Courier New" pitchFamily="49" charset="0"/>
-              </a:rPr>
-              <a:t>productRepository</a:t>
-            </a:r>
-            <a:r>
-              <a:rPr lang="en-US" b="1" dirty="0" smtClean="0">
-                <a:latin typeface="Courier New" pitchFamily="49" charset="0"/>
-                <a:cs typeface="Courier New" pitchFamily="49" charset="0"/>
-              </a:rPr>
-              <a:t>;</a:t>
-            </a:r>
-          </a:p>
-          <a:p>
-            <a:endParaRPr lang="en-US" b="1" dirty="0" smtClean="0">
-              <a:latin typeface="Courier New" pitchFamily="49" charset="0"/>
-              <a:cs typeface="Courier New" pitchFamily="49" charset="0"/>
-            </a:endParaRPr>
-          </a:p>
-          <a:p>
-            <a:r>
-              <a:rPr lang="en-US" b="1" dirty="0" smtClean="0">
-                <a:latin typeface="Courier New" pitchFamily="49" charset="0"/>
-                <a:cs typeface="Courier New" pitchFamily="49" charset="0"/>
-              </a:rPr>
-              <a:t>    public </a:t>
-            </a:r>
-            <a:r>
-              <a:rPr lang="en-US" b="1" dirty="0" err="1" smtClean="0">
-                <a:latin typeface="Courier New" pitchFamily="49" charset="0"/>
-                <a:cs typeface="Courier New" pitchFamily="49" charset="0"/>
-              </a:rPr>
-              <a:t>GetProductService</a:t>
-            </a:r>
-            <a:r>
-              <a:rPr lang="en-US" b="1" dirty="0" smtClean="0">
-                <a:latin typeface="Courier New" pitchFamily="49" charset="0"/>
-                <a:cs typeface="Courier New" pitchFamily="49" charset="0"/>
-              </a:rPr>
-              <a:t>(</a:t>
-            </a:r>
-          </a:p>
-          <a:p>
-            <a:r>
-              <a:rPr lang="en-US" b="1" dirty="0" smtClean="0">
-                <a:latin typeface="Courier New" pitchFamily="49" charset="0"/>
-                <a:cs typeface="Courier New" pitchFamily="49" charset="0"/>
-              </a:rPr>
-              <a:t>        </a:t>
-            </a:r>
-            <a:r>
-              <a:rPr lang="en-US" b="1" dirty="0" err="1" smtClean="0">
-                <a:solidFill>
-                  <a:srgbClr val="FF0000"/>
-                </a:solidFill>
-                <a:latin typeface="Courier New" pitchFamily="49" charset="0"/>
-                <a:cs typeface="Courier New" pitchFamily="49" charset="0"/>
-              </a:rPr>
-              <a:t>IProductRepository</a:t>
-            </a:r>
-            <a:r>
-              <a:rPr lang="en-US" b="1" dirty="0" smtClean="0">
-                <a:solidFill>
-                  <a:srgbClr val="FF0000"/>
-                </a:solidFill>
-                <a:latin typeface="Courier New" pitchFamily="49" charset="0"/>
-                <a:cs typeface="Courier New" pitchFamily="49" charset="0"/>
-              </a:rPr>
-              <a:t> </a:t>
-            </a:r>
-            <a:r>
-              <a:rPr lang="en-US" b="1" dirty="0" err="1" smtClean="0">
-                <a:solidFill>
-                  <a:srgbClr val="FF0000"/>
-                </a:solidFill>
-                <a:latin typeface="Courier New" pitchFamily="49" charset="0"/>
-                <a:cs typeface="Courier New" pitchFamily="49" charset="0"/>
-              </a:rPr>
-              <a:t>productRepository</a:t>
-            </a:r>
-            <a:r>
-              <a:rPr lang="en-US" b="1" dirty="0" smtClean="0">
-                <a:latin typeface="Courier New" pitchFamily="49" charset="0"/>
-                <a:cs typeface="Courier New" pitchFamily="49" charset="0"/>
-              </a:rPr>
-              <a:t>)</a:t>
-            </a:r>
-          </a:p>
-          <a:p>
-            <a:r>
-              <a:rPr lang="en-US" b="1" dirty="0" smtClean="0">
-                <a:latin typeface="Courier New" pitchFamily="49" charset="0"/>
-                <a:cs typeface="Courier New" pitchFamily="49" charset="0"/>
-              </a:rPr>
-              <a:t>    {</a:t>
-            </a:r>
-          </a:p>
-          <a:p>
-            <a:r>
-              <a:rPr lang="en-US" b="1" dirty="0" smtClean="0">
-                <a:latin typeface="Courier New" pitchFamily="49" charset="0"/>
-                <a:cs typeface="Courier New" pitchFamily="49" charset="0"/>
-              </a:rPr>
-              <a:t>        _</a:t>
-            </a:r>
-            <a:r>
-              <a:rPr lang="en-US" b="1" dirty="0" err="1" smtClean="0">
-                <a:latin typeface="Courier New" pitchFamily="49" charset="0"/>
-                <a:cs typeface="Courier New" pitchFamily="49" charset="0"/>
-              </a:rPr>
-              <a:t>productRepository</a:t>
-            </a:r>
-            <a:r>
-              <a:rPr lang="en-US" b="1" dirty="0" smtClean="0">
-                <a:latin typeface="Courier New" pitchFamily="49" charset="0"/>
-                <a:cs typeface="Courier New" pitchFamily="49" charset="0"/>
-              </a:rPr>
-              <a:t> = </a:t>
-            </a:r>
-            <a:r>
-              <a:rPr lang="en-US" b="1" dirty="0" err="1" smtClean="0">
-                <a:latin typeface="Courier New" pitchFamily="49" charset="0"/>
-                <a:cs typeface="Courier New" pitchFamily="49" charset="0"/>
-              </a:rPr>
-              <a:t>productRepository</a:t>
-            </a:r>
-            <a:r>
-              <a:rPr lang="en-US" b="1" dirty="0" smtClean="0">
-                <a:latin typeface="Courier New" pitchFamily="49" charset="0"/>
-                <a:cs typeface="Courier New" pitchFamily="49" charset="0"/>
-              </a:rPr>
-              <a:t>;</a:t>
-            </a:r>
-          </a:p>
-          <a:p>
-            <a:r>
-              <a:rPr lang="en-US" b="1" dirty="0" smtClean="0">
-                <a:latin typeface="Courier New" pitchFamily="49" charset="0"/>
-                <a:cs typeface="Courier New" pitchFamily="49" charset="0"/>
-              </a:rPr>
-              <a:t>    }</a:t>
-            </a:r>
-          </a:p>
-          <a:p>
-            <a:endParaRPr lang="en-US" b="1" dirty="0" smtClean="0">
-              <a:latin typeface="Courier New" pitchFamily="49" charset="0"/>
-              <a:cs typeface="Courier New" pitchFamily="49" charset="0"/>
-            </a:endParaRPr>
-          </a:p>
-          <a:p>
-            <a:r>
-              <a:rPr lang="en-US" b="1" dirty="0" smtClean="0">
-                <a:latin typeface="Courier New" pitchFamily="49" charset="0"/>
-                <a:cs typeface="Courier New" pitchFamily="49" charset="0"/>
-              </a:rPr>
-              <a:t>    public </a:t>
-            </a:r>
-            <a:r>
-              <a:rPr lang="en-US" b="1" dirty="0" err="1" smtClean="0">
-                <a:latin typeface="Courier New" pitchFamily="49" charset="0"/>
-                <a:cs typeface="Courier New" pitchFamily="49" charset="0"/>
-              </a:rPr>
-              <a:t>IList</a:t>
-            </a:r>
-            <a:r>
-              <a:rPr lang="en-US" b="1" dirty="0" smtClean="0">
-                <a:latin typeface="Courier New" pitchFamily="49" charset="0"/>
-                <a:cs typeface="Courier New" pitchFamily="49" charset="0"/>
-              </a:rPr>
-              <a:t>&lt;Product&gt; </a:t>
-            </a:r>
-            <a:r>
-              <a:rPr lang="en-US" b="1" dirty="0" err="1" smtClean="0">
-                <a:latin typeface="Courier New" pitchFamily="49" charset="0"/>
-                <a:cs typeface="Courier New" pitchFamily="49" charset="0"/>
-              </a:rPr>
-              <a:t>GetProductById</a:t>
-            </a:r>
-            <a:r>
-              <a:rPr lang="en-US" b="1" dirty="0" smtClean="0">
-                <a:latin typeface="Courier New" pitchFamily="49" charset="0"/>
-                <a:cs typeface="Courier New" pitchFamily="49" charset="0"/>
-              </a:rPr>
-              <a:t>(</a:t>
-            </a:r>
-            <a:r>
-              <a:rPr lang="en-US" b="1" dirty="0" err="1" smtClean="0">
-                <a:latin typeface="Courier New" pitchFamily="49" charset="0"/>
-                <a:cs typeface="Courier New" pitchFamily="49" charset="0"/>
-              </a:rPr>
-              <a:t>int</a:t>
-            </a:r>
-            <a:r>
-              <a:rPr lang="en-US" b="1" dirty="0" smtClean="0">
-                <a:latin typeface="Courier New" pitchFamily="49" charset="0"/>
-                <a:cs typeface="Courier New" pitchFamily="49" charset="0"/>
-              </a:rPr>
-              <a:t> id)</a:t>
-            </a:r>
-          </a:p>
-          <a:p>
-            <a:r>
-              <a:rPr lang="en-US" b="1" dirty="0" smtClean="0">
-                <a:latin typeface="Courier New" pitchFamily="49" charset="0"/>
-                <a:cs typeface="Courier New" pitchFamily="49" charset="0"/>
-              </a:rPr>
-              <a:t>    {</a:t>
-            </a:r>
-          </a:p>
-          <a:p>
-            <a:r>
-              <a:rPr lang="en-US" b="1" dirty="0" smtClean="0">
-                <a:latin typeface="Courier New" pitchFamily="49" charset="0"/>
-                <a:cs typeface="Courier New" pitchFamily="49" charset="0"/>
-              </a:rPr>
-              <a:t>        return _</a:t>
-            </a:r>
-            <a:r>
-              <a:rPr lang="en-US" b="1" dirty="0" err="1" smtClean="0">
-                <a:latin typeface="Courier New" pitchFamily="49" charset="0"/>
-                <a:cs typeface="Courier New" pitchFamily="49" charset="0"/>
-              </a:rPr>
-              <a:t>productRepository.Get</a:t>
-            </a:r>
-            <a:r>
-              <a:rPr lang="en-US" b="1" dirty="0" smtClean="0">
-                <a:latin typeface="Courier New" pitchFamily="49" charset="0"/>
-                <a:cs typeface="Courier New" pitchFamily="49" charset="0"/>
-              </a:rPr>
-              <a:t>(id);</a:t>
-            </a:r>
-          </a:p>
-          <a:p>
-            <a:r>
-              <a:rPr lang="en-US" b="1" dirty="0" smtClean="0">
-                <a:latin typeface="Courier New" pitchFamily="49" charset="0"/>
-                <a:cs typeface="Courier New" pitchFamily="49" charset="0"/>
-              </a:rPr>
-              <a:t>    }</a:t>
-            </a:r>
-          </a:p>
-          <a:p>
-            <a:r>
-              <a:rPr lang="en-US" b="1" dirty="0" smtClean="0">
-                <a:latin typeface="Courier New" pitchFamily="49" charset="0"/>
-                <a:cs typeface="Courier New" pitchFamily="49" charset="0"/>
-              </a:rPr>
-              <a:t>}</a:t>
-            </a:r>
-          </a:p>
-          <a:p>
-            <a:endParaRPr lang="en-US" b="1" dirty="0">
-              <a:latin typeface="Courier New" pitchFamily="49" charset="0"/>
-              <a:cs typeface="Courier New" pitchFamily="49" charset="0"/>
-            </a:endParaRPr>
+              <a:t>Java</a:t>
+            </a:r>
+          </a:p>
+          <a:p>
+            <a:pPr lvl="1"/>
+            <a:r>
+              <a:rPr lang="en-US" sz="2800" dirty="0" smtClean="0"/>
+              <a:t>Spring</a:t>
+            </a:r>
+          </a:p>
+          <a:p>
+            <a:r>
+              <a:rPr lang="en-US" dirty="0" smtClean="0"/>
+              <a:t>Ruby</a:t>
+            </a:r>
+          </a:p>
+          <a:p>
+            <a:pPr lvl="1"/>
+            <a:r>
+              <a:rPr lang="en-US" sz="2800" dirty="0" smtClean="0"/>
+              <a:t>We don’t need no </a:t>
+            </a:r>
+            <a:r>
+              <a:rPr lang="en-US" sz="2800" dirty="0" err="1" smtClean="0"/>
+              <a:t>stinkin</a:t>
+            </a:r>
+            <a:r>
+              <a:rPr lang="en-US" sz="2800" dirty="0" smtClean="0"/>
+              <a:t>’ DI containers!</a:t>
+            </a:r>
           </a:p>
         </p:txBody>
       </p:sp>
@@ -27736,24 +28034,26 @@
               <a:rPr lang="en-US" sz="2800" b="1" dirty="0" smtClean="0">
                 <a:hlinkClick r:id="rId2"/>
               </a:rPr>
-              <a:t>http://</a:t>
-            </a:r>
-            <a:r>
-              <a:rPr lang="en-US" sz="2800" b="1" dirty="0" smtClean="0">
-                <a:hlinkClick r:id="rId2"/>
-              </a:rPr>
-              <a:t>jonkruger.com/blog</a:t>
+              <a:t>http://jonkruger.com/blog</a:t>
             </a:r>
             <a:endParaRPr lang="en-US" sz="2800" b="1" dirty="0" smtClean="0"/>
           </a:p>
           <a:p>
             <a:r>
-              <a:rPr lang="en-US" sz="2800" dirty="0" smtClean="0"/>
-              <a:t>TDD Boot Camp:</a:t>
+              <a:rPr lang="en-US" sz="2800" smtClean="0"/>
+              <a:t>TDD </a:t>
+            </a:r>
+            <a:r>
+              <a:rPr lang="en-US" sz="2800" smtClean="0"/>
+              <a:t>training:</a:t>
+            </a:r>
+            <a:r>
+              <a:rPr lang="en-US" sz="2800" b="1" smtClean="0"/>
+              <a:t> </a:t>
             </a:r>
             <a:r>
               <a:rPr lang="en-US" sz="2800" b="1" dirty="0" smtClean="0"/>
-              <a:t> http://tddbootcamp.com</a:t>
+              <a:t>http://tddbootcamp.com</a:t>
             </a:r>
             <a:endParaRPr lang="en-US" sz="2800" b="1" dirty="0"/>
           </a:p>

--- a/SOLID Software Design Principles.pptx
+++ b/SOLID Software Design Principles.pptx
@@ -274,7 +274,7 @@
             <a:fld id="{CE22DD2D-CE48-432A-B750-FE638311F72D}" type="datetimeFigureOut">
               <a:rPr lang="en-US" smtClean="0"/>
               <a:pPr/>
-              <a:t>2/26/2010</a:t>
+              <a:t>3/22/2010</a:t>
             </a:fld>
             <a:endParaRPr lang="en-US"/>
           </a:p>
@@ -3251,7 +3251,7 @@
             <a:fld id="{C3F416CD-67A3-4CF0-A210-F6AF31AC147F}" type="datetimeFigureOut">
               <a:rPr lang="en-US" smtClean="0"/>
               <a:pPr/>
-              <a:t>2/26/2010</a:t>
+              <a:t>3/22/2010</a:t>
             </a:fld>
             <a:endParaRPr lang="en-US"/>
           </a:p>
@@ -3431,7 +3431,7 @@
             <a:fld id="{C3F416CD-67A3-4CF0-A210-F6AF31AC147F}" type="datetimeFigureOut">
               <a:rPr lang="en-US" smtClean="0"/>
               <a:pPr/>
-              <a:t>2/26/2010</a:t>
+              <a:t>3/22/2010</a:t>
             </a:fld>
             <a:endParaRPr lang="en-US"/>
           </a:p>
@@ -3608,7 +3608,7 @@
             <a:fld id="{C3F416CD-67A3-4CF0-A210-F6AF31AC147F}" type="datetimeFigureOut">
               <a:rPr lang="en-US" smtClean="0"/>
               <a:pPr/>
-              <a:t>2/26/2010</a:t>
+              <a:t>3/22/2010</a:t>
             </a:fld>
             <a:endParaRPr lang="en-US"/>
           </a:p>
@@ -3775,7 +3775,7 @@
             <a:fld id="{C3F416CD-67A3-4CF0-A210-F6AF31AC147F}" type="datetimeFigureOut">
               <a:rPr lang="en-US" smtClean="0"/>
               <a:pPr/>
-              <a:t>2/26/2010</a:t>
+              <a:t>3/22/2010</a:t>
             </a:fld>
             <a:endParaRPr lang="en-US"/>
           </a:p>
@@ -3988,7 +3988,7 @@
             <a:fld id="{C3F416CD-67A3-4CF0-A210-F6AF31AC147F}" type="datetimeFigureOut">
               <a:rPr lang="en-US" smtClean="0"/>
               <a:pPr/>
-              <a:t>2/26/2010</a:t>
+              <a:t>3/22/2010</a:t>
             </a:fld>
             <a:endParaRPr lang="en-US"/>
           </a:p>
@@ -4273,7 +4273,7 @@
             <a:fld id="{C3F416CD-67A3-4CF0-A210-F6AF31AC147F}" type="datetimeFigureOut">
               <a:rPr lang="en-US" smtClean="0"/>
               <a:pPr/>
-              <a:t>2/26/2010</a:t>
+              <a:t>3/22/2010</a:t>
             </a:fld>
             <a:endParaRPr lang="en-US"/>
           </a:p>
@@ -4705,7 +4705,7 @@
             <a:fld id="{C3F416CD-67A3-4CF0-A210-F6AF31AC147F}" type="datetimeFigureOut">
               <a:rPr lang="en-US" smtClean="0"/>
               <a:pPr algn="l" eaLnBrk="1" latinLnBrk="0" hangingPunct="1"/>
-              <a:t>2/26/2010</a:t>
+              <a:t>3/22/2010</a:t>
             </a:fld>
             <a:endParaRPr lang="en-US"/>
           </a:p>
@@ -4825,7 +4825,7 @@
             <a:fld id="{C3F416CD-67A3-4CF0-A210-F6AF31AC147F}" type="datetimeFigureOut">
               <a:rPr lang="en-US" smtClean="0"/>
               <a:pPr/>
-              <a:t>2/26/2010</a:t>
+              <a:t>3/22/2010</a:t>
             </a:fld>
             <a:endParaRPr lang="en-US"/>
           </a:p>
@@ -4917,7 +4917,7 @@
             <a:fld id="{C3F416CD-67A3-4CF0-A210-F6AF31AC147F}" type="datetimeFigureOut">
               <a:rPr lang="en-US" smtClean="0"/>
               <a:pPr/>
-              <a:t>2/26/2010</a:t>
+              <a:t>3/22/2010</a:t>
             </a:fld>
             <a:endParaRPr lang="en-US"/>
           </a:p>
@@ -5208,7 +5208,7 @@
             <a:fld id="{C3F416CD-67A3-4CF0-A210-F6AF31AC147F}" type="datetimeFigureOut">
               <a:rPr lang="en-US" smtClean="0"/>
               <a:pPr/>
-              <a:t>2/26/2010</a:t>
+              <a:t>3/22/2010</a:t>
             </a:fld>
             <a:endParaRPr lang="en-US"/>
           </a:p>
@@ -5535,7 +5535,7 @@
             <a:fld id="{C3F416CD-67A3-4CF0-A210-F6AF31AC147F}" type="datetimeFigureOut">
               <a:rPr lang="en-US" smtClean="0"/>
               <a:pPr/>
-              <a:t>2/26/2010</a:t>
+              <a:t>3/22/2010</a:t>
             </a:fld>
             <a:endParaRPr lang="en-US"/>
           </a:p>
@@ -5756,7 +5756,7 @@
             <a:fld id="{C3F416CD-67A3-4CF0-A210-F6AF31AC147F}" type="datetimeFigureOut">
               <a:rPr lang="en-US" smtClean="0"/>
               <a:pPr algn="l" eaLnBrk="1" latinLnBrk="0" hangingPunct="1"/>
-              <a:t>2/26/2010</a:t>
+              <a:t>3/22/2010</a:t>
             </a:fld>
             <a:endParaRPr lang="en-US" sz="800" dirty="0">
               <a:solidFill>
@@ -8421,14 +8421,7 @@
                 <a:latin typeface="Courier New" pitchFamily="49" charset="0"/>
                 <a:cs typeface="Courier New" pitchFamily="49" charset="0"/>
               </a:rPr>
-              <a:t>    public decimal Balance { get; set; </a:t>
-            </a:r>
-            <a:r>
-              <a:rPr lang="en-US" sz="1500" b="1" dirty="0" smtClean="0">
-                <a:latin typeface="Courier New" pitchFamily="49" charset="0"/>
-                <a:cs typeface="Courier New" pitchFamily="49" charset="0"/>
-              </a:rPr>
-              <a:t>}</a:t>
+              <a:t>    public decimal Balance { get; set; }</a:t>
             </a:r>
           </a:p>
           <a:p>
@@ -8440,47 +8433,36 @@
                 <a:latin typeface="Courier New" pitchFamily="49" charset="0"/>
                 <a:cs typeface="Courier New" pitchFamily="49" charset="0"/>
               </a:rPr>
-              <a:t> </a:t>
+              <a:t>    public </a:t>
+            </a:r>
+            <a:r>
+              <a:rPr lang="en-US" sz="1500" b="1" dirty="0" err="1" smtClean="0">
+                <a:latin typeface="Courier New" pitchFamily="49" charset="0"/>
+                <a:cs typeface="Courier New" pitchFamily="49" charset="0"/>
+              </a:rPr>
+              <a:t>IList</a:t>
             </a:r>
             <a:r>
               <a:rPr lang="en-US" sz="1500" b="1" dirty="0" smtClean="0">
                 <a:latin typeface="Courier New" pitchFamily="49" charset="0"/>
                 <a:cs typeface="Courier New" pitchFamily="49" charset="0"/>
               </a:rPr>
-              <a:t>   public </a:t>
+              <a:t>&lt;Person&gt; </a:t>
             </a:r>
             <a:r>
               <a:rPr lang="en-US" sz="1500" b="1" dirty="0" err="1" smtClean="0">
                 <a:latin typeface="Courier New" pitchFamily="49" charset="0"/>
                 <a:cs typeface="Courier New" pitchFamily="49" charset="0"/>
               </a:rPr>
-              <a:t>IList</a:t>
+              <a:t>AccountHolders</a:t>
             </a:r>
             <a:r>
               <a:rPr lang="en-US" sz="1500" b="1" dirty="0" smtClean="0">
                 <a:latin typeface="Courier New" pitchFamily="49" charset="0"/>
                 <a:cs typeface="Courier New" pitchFamily="49" charset="0"/>
               </a:rPr>
-              <a:t>&lt;Person&gt; </a:t>
-            </a:r>
-            <a:r>
-              <a:rPr lang="en-US" sz="1500" b="1" dirty="0" err="1" smtClean="0">
-                <a:latin typeface="Courier New" pitchFamily="49" charset="0"/>
-                <a:cs typeface="Courier New" pitchFamily="49" charset="0"/>
-              </a:rPr>
-              <a:t>AccountHolders</a:t>
-            </a:r>
-            <a:r>
-              <a:rPr lang="en-US" sz="1500" b="1" dirty="0" smtClean="0">
-                <a:latin typeface="Courier New" pitchFamily="49" charset="0"/>
-                <a:cs typeface="Courier New" pitchFamily="49" charset="0"/>
-              </a:rPr>
               <a:t> { get; set; }</a:t>
             </a:r>
-            <a:endParaRPr lang="en-US" sz="1500" b="1" dirty="0" smtClean="0">
-              <a:latin typeface="Courier New" pitchFamily="49" charset="0"/>
-              <a:cs typeface="Courier New" pitchFamily="49" charset="0"/>
-            </a:endParaRPr>
           </a:p>
           <a:p>
             <a:pPr>
@@ -13748,14 +13730,7 @@
                 <a:latin typeface="Courier New" pitchFamily="49" charset="0"/>
                 <a:cs typeface="Courier New" pitchFamily="49" charset="0"/>
               </a:rPr>
-              <a:t> </a:t>
-            </a:r>
-            <a:r>
-              <a:rPr lang="en-US" sz="1600" b="1" dirty="0" smtClean="0">
-                <a:latin typeface="Courier New" pitchFamily="49" charset="0"/>
-                <a:cs typeface="Courier New" pitchFamily="49" charset="0"/>
-              </a:rPr>
-              <a:t>   </a:t>
+              <a:t>    </a:t>
             </a:r>
             <a:r>
               <a:rPr lang="en-US" sz="1600" b="1" dirty="0" smtClean="0">
@@ -13767,13 +13742,6 @@
               </a:rPr>
               <a:t>// validate order</a:t>
             </a:r>
-            <a:endParaRPr lang="en-US" sz="1600" b="1" dirty="0" smtClean="0">
-              <a:solidFill>
-                <a:srgbClr val="FF0000"/>
-              </a:solidFill>
-              <a:latin typeface="Courier New" pitchFamily="49" charset="0"/>
-              <a:cs typeface="Courier New" pitchFamily="49" charset="0"/>
-            </a:endParaRPr>
           </a:p>
           <a:p>
             <a:pPr>
@@ -13874,10 +13842,6 @@
               </a:rPr>
               <a:t>    </a:t>
             </a:r>
-            <a:endParaRPr lang="en-US" sz="1600" b="1" dirty="0" smtClean="0">
-              <a:latin typeface="Courier New" pitchFamily="49" charset="0"/>
-              <a:cs typeface="Courier New" pitchFamily="49" charset="0"/>
-            </a:endParaRPr>
           </a:p>
           <a:p>
             <a:pPr>
@@ -13900,13 +13864,6 @@
               </a:rPr>
               <a:t>// calculate tax</a:t>
             </a:r>
-            <a:endParaRPr lang="en-US" sz="1600" b="1" dirty="0" smtClean="0">
-              <a:solidFill>
-                <a:srgbClr val="FF0000"/>
-              </a:solidFill>
-              <a:latin typeface="Courier New" pitchFamily="49" charset="0"/>
-              <a:cs typeface="Courier New" pitchFamily="49" charset="0"/>
-            </a:endParaRPr>
           </a:p>
           <a:p>
             <a:pPr>
@@ -13959,10 +13916,6 @@
               </a:rPr>
               <a:t>    </a:t>
             </a:r>
-            <a:endParaRPr lang="en-US" sz="1600" b="1" dirty="0" smtClean="0">
-              <a:latin typeface="Courier New" pitchFamily="49" charset="0"/>
-              <a:cs typeface="Courier New" pitchFamily="49" charset="0"/>
-            </a:endParaRPr>
           </a:p>
           <a:p>
             <a:pPr>
@@ -13973,14 +13926,7 @@
                 <a:latin typeface="Courier New" pitchFamily="49" charset="0"/>
                 <a:cs typeface="Courier New" pitchFamily="49" charset="0"/>
               </a:rPr>
-              <a:t> </a:t>
-            </a:r>
-            <a:r>
-              <a:rPr lang="en-US" sz="1600" b="1" dirty="0" smtClean="0">
-                <a:latin typeface="Courier New" pitchFamily="49" charset="0"/>
-                <a:cs typeface="Courier New" pitchFamily="49" charset="0"/>
-              </a:rPr>
-              <a:t>   </a:t>
+              <a:t>    </a:t>
             </a:r>
             <a:r>
               <a:rPr lang="en-US" sz="1600" b="1" dirty="0" smtClean="0">
@@ -13992,13 +13938,6 @@
               </a:rPr>
               <a:t>// calculate shipping</a:t>
             </a:r>
-            <a:endParaRPr lang="en-US" sz="1600" b="1" dirty="0" smtClean="0">
-              <a:solidFill>
-                <a:srgbClr val="FF0000"/>
-              </a:solidFill>
-              <a:latin typeface="Courier New" pitchFamily="49" charset="0"/>
-              <a:cs typeface="Courier New" pitchFamily="49" charset="0"/>
-            </a:endParaRPr>
           </a:p>
           <a:p>
             <a:pPr>
@@ -14101,10 +14040,6 @@
               </a:rPr>
               <a:t>        </a:t>
             </a:r>
-            <a:endParaRPr lang="en-US" sz="1600" b="1" dirty="0" smtClean="0">
-              <a:latin typeface="Courier New" pitchFamily="49" charset="0"/>
-              <a:cs typeface="Courier New" pitchFamily="49" charset="0"/>
-            </a:endParaRPr>
           </a:p>
           <a:p>
             <a:pPr>
@@ -14127,13 +14062,6 @@
               </a:rPr>
               <a:t>// submit order</a:t>
             </a:r>
-            <a:endParaRPr lang="en-US" sz="1600" b="1" dirty="0" smtClean="0">
-              <a:solidFill>
-                <a:srgbClr val="FF0000"/>
-              </a:solidFill>
-              <a:latin typeface="Courier New" pitchFamily="49" charset="0"/>
-              <a:cs typeface="Courier New" pitchFamily="49" charset="0"/>
-            </a:endParaRPr>
           </a:p>
           <a:p>
             <a:pPr>
@@ -23762,35 +23690,17 @@
                 <a:latin typeface="Courier New" pitchFamily="49" charset="0"/>
                 <a:cs typeface="Courier New" pitchFamily="49" charset="0"/>
               </a:rPr>
-              <a:t> </a:t>
-            </a:r>
+              <a:t>        // do something</a:t>
+            </a:r>
+          </a:p>
+          <a:p>
             <a:r>
               <a:rPr lang="en-US" b="1" dirty="0" smtClean="0">
                 <a:latin typeface="Courier New" pitchFamily="49" charset="0"/>
                 <a:cs typeface="Courier New" pitchFamily="49" charset="0"/>
               </a:rPr>
-              <a:t>       // do something</a:t>
-            </a:r>
-          </a:p>
-          <a:p>
-            <a:r>
-              <a:rPr lang="en-US" b="1" dirty="0" smtClean="0">
-                <a:latin typeface="Courier New" pitchFamily="49" charset="0"/>
-                <a:cs typeface="Courier New" pitchFamily="49" charset="0"/>
-              </a:rPr>
-              <a:t> </a:t>
-            </a:r>
-            <a:r>
-              <a:rPr lang="en-US" b="1" dirty="0" smtClean="0">
-                <a:latin typeface="Courier New" pitchFamily="49" charset="0"/>
-                <a:cs typeface="Courier New" pitchFamily="49" charset="0"/>
-              </a:rPr>
-              <a:t>   }</a:t>
-            </a:r>
-            <a:endParaRPr lang="en-US" b="1" dirty="0" smtClean="0">
-              <a:latin typeface="Courier New" pitchFamily="49" charset="0"/>
-              <a:cs typeface="Courier New" pitchFamily="49" charset="0"/>
-            </a:endParaRPr>
+              <a:t>    }</a:t>
+            </a:r>
           </a:p>
           <a:p>
             <a:r>
@@ -24102,34 +24012,6 @@
               <a:latin typeface="Courier New" pitchFamily="49" charset="0"/>
               <a:cs typeface="Courier New" pitchFamily="49" charset="0"/>
             </a:endParaRPr>
-          </a:p>
-        </p:txBody>
-      </p:sp>
-      <p:sp>
-        <p:nvSpPr>
-          <p:cNvPr id="6" name="Rectangle 5"/>
-          <p:cNvSpPr/>
-          <p:nvPr/>
-        </p:nvSpPr>
-        <p:spPr>
-          <a:xfrm>
-            <a:off x="3854496" y="3244334"/>
-            <a:ext cx="1435008" cy="369332"/>
-          </a:xfrm>
-          <a:prstGeom prst="rect">
-            <a:avLst/>
-          </a:prstGeom>
-        </p:spPr>
-        <p:txBody>
-          <a:bodyPr wrap="none">
-            <a:spAutoFit/>
-          </a:bodyPr>
-          <a:lstStyle/>
-          <a:p>
-            <a:r>
-              <a:rPr lang="en-US" dirty="0" smtClean="0"/>
-              <a:t> return order</a:t>
-            </a:r>
           </a:p>
         </p:txBody>
       </p:sp>
@@ -28041,11 +27923,7 @@
           <a:p>
             <a:r>
               <a:rPr lang="en-US" sz="2800" smtClean="0"/>
-              <a:t>TDD </a:t>
-            </a:r>
-            <a:r>
-              <a:rPr lang="en-US" sz="2800" smtClean="0"/>
-              <a:t>training:</a:t>
+              <a:t>TDD training:</a:t>
             </a:r>
             <a:r>
               <a:rPr lang="en-US" sz="2800" b="1" smtClean="0"/>

--- a/SOLID Software Design Principles.pptx
+++ b/SOLID Software Design Principles.pptx
@@ -89,7 +89,7 @@
     <p:sldId id="326" r:id="rId80"/>
     <p:sldId id="340" r:id="rId81"/>
     <p:sldId id="332" r:id="rId82"/>
-    <p:sldId id="333" r:id="rId83"/>
+    <p:sldId id="357" r:id="rId83"/>
   </p:sldIdLst>
   <p:sldSz cx="9144000" cy="6858000" type="screen4x3"/>
   <p:notesSz cx="6858000" cy="9144000"/>
@@ -274,7 +274,7 @@
             <a:fld id="{CE22DD2D-CE48-432A-B750-FE638311F72D}" type="datetimeFigureOut">
               <a:rPr lang="en-US" smtClean="0"/>
               <a:pPr/>
-              <a:t>3/22/2010</a:t>
+              <a:t>4/30/2010</a:t>
             </a:fld>
             <a:endParaRPr lang="en-US"/>
           </a:p>
@@ -3251,7 +3251,7 @@
             <a:fld id="{C3F416CD-67A3-4CF0-A210-F6AF31AC147F}" type="datetimeFigureOut">
               <a:rPr lang="en-US" smtClean="0"/>
               <a:pPr/>
-              <a:t>3/22/2010</a:t>
+              <a:t>4/30/2010</a:t>
             </a:fld>
             <a:endParaRPr lang="en-US"/>
           </a:p>
@@ -3431,7 +3431,7 @@
             <a:fld id="{C3F416CD-67A3-4CF0-A210-F6AF31AC147F}" type="datetimeFigureOut">
               <a:rPr lang="en-US" smtClean="0"/>
               <a:pPr/>
-              <a:t>3/22/2010</a:t>
+              <a:t>4/30/2010</a:t>
             </a:fld>
             <a:endParaRPr lang="en-US"/>
           </a:p>
@@ -3608,7 +3608,7 @@
             <a:fld id="{C3F416CD-67A3-4CF0-A210-F6AF31AC147F}" type="datetimeFigureOut">
               <a:rPr lang="en-US" smtClean="0"/>
               <a:pPr/>
-              <a:t>3/22/2010</a:t>
+              <a:t>4/30/2010</a:t>
             </a:fld>
             <a:endParaRPr lang="en-US"/>
           </a:p>
@@ -3775,7 +3775,7 @@
             <a:fld id="{C3F416CD-67A3-4CF0-A210-F6AF31AC147F}" type="datetimeFigureOut">
               <a:rPr lang="en-US" smtClean="0"/>
               <a:pPr/>
-              <a:t>3/22/2010</a:t>
+              <a:t>4/30/2010</a:t>
             </a:fld>
             <a:endParaRPr lang="en-US"/>
           </a:p>
@@ -3988,7 +3988,7 @@
             <a:fld id="{C3F416CD-67A3-4CF0-A210-F6AF31AC147F}" type="datetimeFigureOut">
               <a:rPr lang="en-US" smtClean="0"/>
               <a:pPr/>
-              <a:t>3/22/2010</a:t>
+              <a:t>4/30/2010</a:t>
             </a:fld>
             <a:endParaRPr lang="en-US"/>
           </a:p>
@@ -4273,7 +4273,7 @@
             <a:fld id="{C3F416CD-67A3-4CF0-A210-F6AF31AC147F}" type="datetimeFigureOut">
               <a:rPr lang="en-US" smtClean="0"/>
               <a:pPr/>
-              <a:t>3/22/2010</a:t>
+              <a:t>4/30/2010</a:t>
             </a:fld>
             <a:endParaRPr lang="en-US"/>
           </a:p>
@@ -4705,7 +4705,7 @@
             <a:fld id="{C3F416CD-67A3-4CF0-A210-F6AF31AC147F}" type="datetimeFigureOut">
               <a:rPr lang="en-US" smtClean="0"/>
               <a:pPr algn="l" eaLnBrk="1" latinLnBrk="0" hangingPunct="1"/>
-              <a:t>3/22/2010</a:t>
+              <a:t>4/30/2010</a:t>
             </a:fld>
             <a:endParaRPr lang="en-US"/>
           </a:p>
@@ -4825,7 +4825,7 @@
             <a:fld id="{C3F416CD-67A3-4CF0-A210-F6AF31AC147F}" type="datetimeFigureOut">
               <a:rPr lang="en-US" smtClean="0"/>
               <a:pPr/>
-              <a:t>3/22/2010</a:t>
+              <a:t>4/30/2010</a:t>
             </a:fld>
             <a:endParaRPr lang="en-US"/>
           </a:p>
@@ -4917,7 +4917,7 @@
             <a:fld id="{C3F416CD-67A3-4CF0-A210-F6AF31AC147F}" type="datetimeFigureOut">
               <a:rPr lang="en-US" smtClean="0"/>
               <a:pPr/>
-              <a:t>3/22/2010</a:t>
+              <a:t>4/30/2010</a:t>
             </a:fld>
             <a:endParaRPr lang="en-US"/>
           </a:p>
@@ -5208,7 +5208,7 @@
             <a:fld id="{C3F416CD-67A3-4CF0-A210-F6AF31AC147F}" type="datetimeFigureOut">
               <a:rPr lang="en-US" smtClean="0"/>
               <a:pPr/>
-              <a:t>3/22/2010</a:t>
+              <a:t>4/30/2010</a:t>
             </a:fld>
             <a:endParaRPr lang="en-US"/>
           </a:p>
@@ -5535,7 +5535,7 @@
             <a:fld id="{C3F416CD-67A3-4CF0-A210-F6AF31AC147F}" type="datetimeFigureOut">
               <a:rPr lang="en-US" smtClean="0"/>
               <a:pPr/>
-              <a:t>3/22/2010</a:t>
+              <a:t>4/30/2010</a:t>
             </a:fld>
             <a:endParaRPr lang="en-US"/>
           </a:p>
@@ -5756,7 +5756,7 @@
             <a:fld id="{C3F416CD-67A3-4CF0-A210-F6AF31AC147F}" type="datetimeFigureOut">
               <a:rPr lang="en-US" smtClean="0"/>
               <a:pPr algn="l" eaLnBrk="1" latinLnBrk="0" hangingPunct="1"/>
-              <a:t>3/22/2010</a:t>
+              <a:t>4/30/2010</a:t>
             </a:fld>
             <a:endParaRPr lang="en-US" sz="800" dirty="0">
               <a:solidFill>
@@ -22696,21 +22696,21 @@
                 <a:latin typeface="Courier New" pitchFamily="49" charset="0"/>
                 <a:cs typeface="Courier New" pitchFamily="49" charset="0"/>
               </a:rPr>
-              <a:t>    public Product Get(</a:t>
+              <a:t>    public void Save(Product </a:t>
             </a:r>
             <a:r>
               <a:rPr lang="en-US" sz="1800" b="1" dirty="0" err="1" smtClean="0">
                 <a:latin typeface="Courier New" pitchFamily="49" charset="0"/>
                 <a:cs typeface="Courier New" pitchFamily="49" charset="0"/>
               </a:rPr>
-              <a:t>int</a:t>
+              <a:t>product</a:t>
             </a:r>
             <a:r>
               <a:rPr lang="en-US" sz="1800" b="1" dirty="0" smtClean="0">
                 <a:latin typeface="Courier New" pitchFamily="49" charset="0"/>
                 <a:cs typeface="Courier New" pitchFamily="49" charset="0"/>
               </a:rPr>
-              <a:t> id) { ... }</a:t>
+              <a:t>) { ... }</a:t>
             </a:r>
           </a:p>
           <a:p>
@@ -22778,21 +22778,21 @@
                 <a:latin typeface="Courier New" pitchFamily="49" charset="0"/>
                 <a:cs typeface="Courier New" pitchFamily="49" charset="0"/>
               </a:rPr>
-              <a:t>    Product Get(</a:t>
+              <a:t>    void Save(Product </a:t>
             </a:r>
             <a:r>
               <a:rPr lang="en-US" sz="1800" b="1" dirty="0" err="1" smtClean="0">
                 <a:latin typeface="Courier New" pitchFamily="49" charset="0"/>
                 <a:cs typeface="Courier New" pitchFamily="49" charset="0"/>
               </a:rPr>
-              <a:t>int</a:t>
+              <a:t>product</a:t>
             </a:r>
             <a:r>
               <a:rPr lang="en-US" sz="1800" b="1" dirty="0" smtClean="0">
                 <a:latin typeface="Courier New" pitchFamily="49" charset="0"/>
                 <a:cs typeface="Courier New" pitchFamily="49" charset="0"/>
               </a:rPr>
-              <a:t> id);</a:t>
+              <a:t>);</a:t>
             </a:r>
           </a:p>
           <a:p>
@@ -22887,7 +22887,7 @@
         <p:spPr>
           <a:xfrm>
             <a:off x="609600" y="1600200"/>
-            <a:ext cx="8077200" cy="4524315"/>
+            <a:ext cx="8077200" cy="4801314"/>
           </a:xfrm>
           <a:prstGeom prst="rect">
             <a:avLst/>
@@ -22916,21 +22916,28 @@
                 <a:latin typeface="Courier New" pitchFamily="49" charset="0"/>
                 <a:cs typeface="Courier New" pitchFamily="49" charset="0"/>
               </a:rPr>
-              <a:t>GetProductService</a:t>
+              <a:t>SaveProductService</a:t>
             </a:r>
             <a:r>
               <a:rPr lang="en-US" b="1" dirty="0" smtClean="0">
                 <a:latin typeface="Courier New" pitchFamily="49" charset="0"/>
                 <a:cs typeface="Courier New" pitchFamily="49" charset="0"/>
               </a:rPr>
-              <a:t> : </a:t>
+              <a:t> </a:t>
+            </a:r>
+            <a:r>
+              <a:rPr lang="en-US" b="1" dirty="0" smtClean="0">
+                <a:latin typeface="Courier New" pitchFamily="49" charset="0"/>
+                <a:cs typeface="Courier New" pitchFamily="49" charset="0"/>
+              </a:rPr>
+              <a:t>: </a:t>
             </a:r>
             <a:r>
               <a:rPr lang="en-US" b="1" dirty="0" err="1" smtClean="0">
                 <a:latin typeface="Courier New" pitchFamily="49" charset="0"/>
                 <a:cs typeface="Courier New" pitchFamily="49" charset="0"/>
               </a:rPr>
-              <a:t>IGetProductService</a:t>
+              <a:t>ISaveProductService</a:t>
             </a:r>
             <a:endParaRPr lang="en-US" b="1" dirty="0" smtClean="0">
               <a:latin typeface="Courier New" pitchFamily="49" charset="0"/>
@@ -23002,7 +23009,7 @@
                 <a:latin typeface="Courier New" pitchFamily="49" charset="0"/>
                 <a:cs typeface="Courier New" pitchFamily="49" charset="0"/>
               </a:rPr>
-              <a:t>GetProductService</a:t>
+              <a:t>SaveProductService</a:t>
             </a:r>
             <a:r>
               <a:rPr lang="en-US" b="1" dirty="0" smtClean="0">
@@ -23125,49 +23132,78 @@
                 <a:latin typeface="Courier New" pitchFamily="49" charset="0"/>
                 <a:cs typeface="Courier New" pitchFamily="49" charset="0"/>
               </a:rPr>
-              <a:t>    public </a:t>
+              <a:t>    </a:t>
+            </a:r>
+            <a:r>
+              <a:rPr lang="en-US" b="1" dirty="0" smtClean="0">
+                <a:latin typeface="Courier New" pitchFamily="49" charset="0"/>
+                <a:cs typeface="Courier New" pitchFamily="49" charset="0"/>
+              </a:rPr>
+              <a:t>public void Save(Product </a:t>
             </a:r>
             <a:r>
               <a:rPr lang="en-US" b="1" dirty="0" err="1" smtClean="0">
                 <a:latin typeface="Courier New" pitchFamily="49" charset="0"/>
                 <a:cs typeface="Courier New" pitchFamily="49" charset="0"/>
               </a:rPr>
-              <a:t>IList</a:t>
+              <a:t>product</a:t>
             </a:r>
             <a:r>
               <a:rPr lang="en-US" b="1" dirty="0" smtClean="0">
                 <a:latin typeface="Courier New" pitchFamily="49" charset="0"/>
                 <a:cs typeface="Courier New" pitchFamily="49" charset="0"/>
               </a:rPr>
-              <a:t>&lt;Product&gt; </a:t>
+              <a:t>)</a:t>
+            </a:r>
+          </a:p>
+          <a:p>
+            <a:r>
+              <a:rPr lang="en-US" b="1" dirty="0" smtClean="0">
+                <a:latin typeface="Courier New" pitchFamily="49" charset="0"/>
+                <a:cs typeface="Courier New" pitchFamily="49" charset="0"/>
+              </a:rPr>
+              <a:t>    {</a:t>
+            </a:r>
+          </a:p>
+          <a:p>
+            <a:r>
+              <a:rPr lang="en-US" b="1" dirty="0" smtClean="0">
+                <a:latin typeface="Courier New" pitchFamily="49" charset="0"/>
+                <a:cs typeface="Courier New" pitchFamily="49" charset="0"/>
+              </a:rPr>
+              <a:t>        Validate(product);</a:t>
+            </a:r>
+          </a:p>
+          <a:p>
+            <a:r>
+              <a:rPr lang="en-US" b="1" dirty="0" smtClean="0">
+                <a:latin typeface="Courier New" pitchFamily="49" charset="0"/>
+                <a:cs typeface="Courier New" pitchFamily="49" charset="0"/>
+              </a:rPr>
+              <a:t>        return _</a:t>
             </a:r>
             <a:r>
               <a:rPr lang="en-US" b="1" dirty="0" err="1" smtClean="0">
                 <a:latin typeface="Courier New" pitchFamily="49" charset="0"/>
                 <a:cs typeface="Courier New" pitchFamily="49" charset="0"/>
               </a:rPr>
-              <a:t>GetProductById</a:t>
+              <a:t>productRepository.Save</a:t>
             </a:r>
             <a:r>
               <a:rPr lang="en-US" b="1" dirty="0" smtClean="0">
                 <a:latin typeface="Courier New" pitchFamily="49" charset="0"/>
                 <a:cs typeface="Courier New" pitchFamily="49" charset="0"/>
               </a:rPr>
-              <a:t>(</a:t>
-            </a:r>
-            <a:r>
-              <a:rPr lang="en-US" b="1" dirty="0" err="1" smtClean="0">
-                <a:latin typeface="Courier New" pitchFamily="49" charset="0"/>
-                <a:cs typeface="Courier New" pitchFamily="49" charset="0"/>
-              </a:rPr>
-              <a:t>int</a:t>
-            </a:r>
+              <a:t>(product);</a:t>
+            </a:r>
+          </a:p>
+          <a:p>
             <a:r>
               <a:rPr lang="en-US" b="1" dirty="0" smtClean="0">
                 <a:latin typeface="Courier New" pitchFamily="49" charset="0"/>
                 <a:cs typeface="Courier New" pitchFamily="49" charset="0"/>
               </a:rPr>
-              <a:t> id)</a:t>
+              <a:t>    }</a:t>
             </a:r>
           </a:p>
           <a:p>
@@ -23176,49 +23212,12 @@
                 <a:latin typeface="Courier New" pitchFamily="49" charset="0"/>
                 <a:cs typeface="Courier New" pitchFamily="49" charset="0"/>
               </a:rPr>
-              <a:t>    {</a:t>
-            </a:r>
-          </a:p>
-          <a:p>
-            <a:r>
-              <a:rPr lang="en-US" b="1" dirty="0" smtClean="0">
-                <a:latin typeface="Courier New" pitchFamily="49" charset="0"/>
-                <a:cs typeface="Courier New" pitchFamily="49" charset="0"/>
-              </a:rPr>
-              <a:t>        return _</a:t>
-            </a:r>
-            <a:r>
-              <a:rPr lang="en-US" b="1" dirty="0" err="1" smtClean="0">
-                <a:latin typeface="Courier New" pitchFamily="49" charset="0"/>
-                <a:cs typeface="Courier New" pitchFamily="49" charset="0"/>
-              </a:rPr>
-              <a:t>productRepository.Get</a:t>
-            </a:r>
-            <a:r>
-              <a:rPr lang="en-US" b="1" dirty="0" smtClean="0">
-                <a:latin typeface="Courier New" pitchFamily="49" charset="0"/>
-                <a:cs typeface="Courier New" pitchFamily="49" charset="0"/>
-              </a:rPr>
-              <a:t>(id);</a:t>
-            </a:r>
-          </a:p>
-          <a:p>
-            <a:r>
-              <a:rPr lang="en-US" b="1" dirty="0" smtClean="0">
-                <a:latin typeface="Courier New" pitchFamily="49" charset="0"/>
-                <a:cs typeface="Courier New" pitchFamily="49" charset="0"/>
-              </a:rPr>
-              <a:t>    }</a:t>
-            </a:r>
-          </a:p>
-          <a:p>
-            <a:r>
-              <a:rPr lang="en-US" b="1" dirty="0" smtClean="0">
-                <a:latin typeface="Courier New" pitchFamily="49" charset="0"/>
-                <a:cs typeface="Courier New" pitchFamily="49" charset="0"/>
-              </a:rPr>
               <a:t>}</a:t>
             </a:r>
+            <a:endParaRPr lang="en-US" b="1" dirty="0" smtClean="0">
+              <a:latin typeface="Courier New" pitchFamily="49" charset="0"/>
+              <a:cs typeface="Courier New" pitchFamily="49" charset="0"/>
+            </a:endParaRPr>
           </a:p>
           <a:p>
             <a:endParaRPr lang="en-US" b="1" dirty="0">
@@ -23315,7 +23314,7 @@
         <p:spPr>
           <a:xfrm>
             <a:off x="609600" y="2514600"/>
-            <a:ext cx="8077200" cy="2308324"/>
+            <a:ext cx="8077200" cy="2862322"/>
           </a:xfrm>
           <a:prstGeom prst="rect">
             <a:avLst/>
@@ -23344,7 +23343,7 @@
                 <a:latin typeface="Courier New" pitchFamily="49" charset="0"/>
                 <a:cs typeface="Courier New" pitchFamily="49" charset="0"/>
               </a:rPr>
-              <a:t>GetProductService</a:t>
+              <a:t>SaveProductService</a:t>
             </a:r>
             <a:endParaRPr lang="en-US" b="1" dirty="0" smtClean="0">
               <a:latin typeface="Courier New" pitchFamily="49" charset="0"/>
@@ -23366,58 +23365,96 @@
                 <a:latin typeface="Courier New" pitchFamily="49" charset="0"/>
                 <a:cs typeface="Courier New" pitchFamily="49" charset="0"/>
               </a:rPr>
-              <a:t>    public </a:t>
+              <a:t>    public void Save(Product </a:t>
             </a:r>
             <a:r>
               <a:rPr lang="en-US" b="1" dirty="0" err="1" smtClean="0">
                 <a:latin typeface="Courier New" pitchFamily="49" charset="0"/>
                 <a:cs typeface="Courier New" pitchFamily="49" charset="0"/>
               </a:rPr>
-              <a:t>IList</a:t>
+              <a:t>product</a:t>
             </a:r>
             <a:r>
               <a:rPr lang="en-US" b="1" dirty="0" smtClean="0">
                 <a:latin typeface="Courier New" pitchFamily="49" charset="0"/>
                 <a:cs typeface="Courier New" pitchFamily="49" charset="0"/>
               </a:rPr>
-              <a:t>&lt;Product&gt; </a:t>
+              <a:t>)</a:t>
+            </a:r>
+          </a:p>
+          <a:p>
+            <a:r>
+              <a:rPr lang="en-US" b="1" dirty="0" smtClean="0">
+                <a:latin typeface="Courier New" pitchFamily="49" charset="0"/>
+                <a:cs typeface="Courier New" pitchFamily="49" charset="0"/>
+              </a:rPr>
+              <a:t>    {</a:t>
+            </a:r>
+          </a:p>
+          <a:p>
+            <a:r>
+              <a:rPr lang="en-US" b="1" dirty="0" smtClean="0">
+                <a:latin typeface="Courier New" pitchFamily="49" charset="0"/>
+                <a:cs typeface="Courier New" pitchFamily="49" charset="0"/>
+              </a:rPr>
+              <a:t>        Validate(product);</a:t>
+            </a:r>
+          </a:p>
+          <a:p>
+            <a:endParaRPr lang="en-US" b="1" dirty="0" smtClean="0">
+              <a:latin typeface="Courier New" pitchFamily="49" charset="0"/>
+              <a:cs typeface="Courier New" pitchFamily="49" charset="0"/>
+            </a:endParaRPr>
+          </a:p>
+          <a:p>
+            <a:r>
+              <a:rPr lang="en-US" b="1" dirty="0" smtClean="0">
+                <a:latin typeface="Courier New" pitchFamily="49" charset="0"/>
+                <a:cs typeface="Courier New" pitchFamily="49" charset="0"/>
+              </a:rPr>
+              <a:t>        </a:t>
             </a:r>
             <a:r>
               <a:rPr lang="en-US" b="1" dirty="0" err="1" smtClean="0">
                 <a:latin typeface="Courier New" pitchFamily="49" charset="0"/>
                 <a:cs typeface="Courier New" pitchFamily="49" charset="0"/>
               </a:rPr>
-              <a:t>GetProductById</a:t>
+              <a:t>var</a:t>
             </a:r>
             <a:r>
               <a:rPr lang="en-US" b="1" dirty="0" smtClean="0">
                 <a:latin typeface="Courier New" pitchFamily="49" charset="0"/>
                 <a:cs typeface="Courier New" pitchFamily="49" charset="0"/>
               </a:rPr>
-              <a:t>(</a:t>
+              <a:t> </a:t>
             </a:r>
             <a:r>
               <a:rPr lang="en-US" b="1" dirty="0" err="1" smtClean="0">
                 <a:latin typeface="Courier New" pitchFamily="49" charset="0"/>
                 <a:cs typeface="Courier New" pitchFamily="49" charset="0"/>
               </a:rPr>
-              <a:t>int</a:t>
+              <a:t>productRepository</a:t>
             </a:r>
             <a:r>
               <a:rPr lang="en-US" b="1" dirty="0" smtClean="0">
                 <a:latin typeface="Courier New" pitchFamily="49" charset="0"/>
                 <a:cs typeface="Courier New" pitchFamily="49" charset="0"/>
               </a:rPr>
-              <a:t> id)</a:t>
-            </a:r>
-          </a:p>
-          <a:p>
+              <a:t> = new </a:t>
+            </a:r>
+            <a:r>
+              <a:rPr lang="en-US" b="1" dirty="0" err="1" smtClean="0">
+                <a:latin typeface="Courier New" pitchFamily="49" charset="0"/>
+                <a:cs typeface="Courier New" pitchFamily="49" charset="0"/>
+              </a:rPr>
+              <a:t>ProductRepository</a:t>
+            </a:r>
             <a:r>
               <a:rPr lang="en-US" b="1" dirty="0" smtClean="0">
                 <a:latin typeface="Courier New" pitchFamily="49" charset="0"/>
                 <a:cs typeface="Courier New" pitchFamily="49" charset="0"/>
               </a:rPr>
-              <a:t>    {</a:t>
+              <a:t>();</a:t>
             </a:r>
           </a:p>
           <a:p>
@@ -23426,72 +23463,21 @@
                 <a:latin typeface="Courier New" pitchFamily="49" charset="0"/>
                 <a:cs typeface="Courier New" pitchFamily="49" charset="0"/>
               </a:rPr>
-              <a:t>        </a:t>
+              <a:t>        return </a:t>
             </a:r>
             <a:r>
               <a:rPr lang="en-US" b="1" dirty="0" err="1" smtClean="0">
                 <a:latin typeface="Courier New" pitchFamily="49" charset="0"/>
                 <a:cs typeface="Courier New" pitchFamily="49" charset="0"/>
               </a:rPr>
-              <a:t>var</a:t>
+              <a:t>productRepository.Save</a:t>
             </a:r>
             <a:r>
               <a:rPr lang="en-US" b="1" dirty="0" smtClean="0">
                 <a:latin typeface="Courier New" pitchFamily="49" charset="0"/>
                 <a:cs typeface="Courier New" pitchFamily="49" charset="0"/>
               </a:rPr>
-              <a:t> </a:t>
-            </a:r>
-            <a:r>
-              <a:rPr lang="en-US" b="1" dirty="0" err="1" smtClean="0">
-                <a:latin typeface="Courier New" pitchFamily="49" charset="0"/>
-                <a:cs typeface="Courier New" pitchFamily="49" charset="0"/>
-              </a:rPr>
-              <a:t>productRepository</a:t>
-            </a:r>
-            <a:r>
-              <a:rPr lang="en-US" b="1" dirty="0" smtClean="0">
-                <a:latin typeface="Courier New" pitchFamily="49" charset="0"/>
-                <a:cs typeface="Courier New" pitchFamily="49" charset="0"/>
-              </a:rPr>
-              <a:t> = new </a:t>
-            </a:r>
-            <a:r>
-              <a:rPr lang="en-US" b="1" dirty="0" err="1" smtClean="0">
-                <a:latin typeface="Courier New" pitchFamily="49" charset="0"/>
-                <a:cs typeface="Courier New" pitchFamily="49" charset="0"/>
-              </a:rPr>
-              <a:t>ProductRepository</a:t>
-            </a:r>
-            <a:r>
-              <a:rPr lang="en-US" b="1" dirty="0" smtClean="0">
-                <a:latin typeface="Courier New" pitchFamily="49" charset="0"/>
-                <a:cs typeface="Courier New" pitchFamily="49" charset="0"/>
-              </a:rPr>
-              <a:t>();</a:t>
-            </a:r>
-          </a:p>
-          <a:p>
-            <a:r>
-              <a:rPr lang="en-US" b="1" dirty="0" smtClean="0">
-                <a:latin typeface="Courier New" pitchFamily="49" charset="0"/>
-                <a:cs typeface="Courier New" pitchFamily="49" charset="0"/>
-              </a:rPr>
-              <a:t>        return </a:t>
-            </a:r>
-            <a:r>
-              <a:rPr lang="en-US" b="1" dirty="0" err="1" smtClean="0">
-                <a:latin typeface="Courier New" pitchFamily="49" charset="0"/>
-                <a:cs typeface="Courier New" pitchFamily="49" charset="0"/>
-              </a:rPr>
-              <a:t>productRepository.Get</a:t>
-            </a:r>
-            <a:r>
-              <a:rPr lang="en-US" b="1" dirty="0" smtClean="0">
-                <a:latin typeface="Courier New" pitchFamily="49" charset="0"/>
-                <a:cs typeface="Courier New" pitchFamily="49" charset="0"/>
-              </a:rPr>
-              <a:t>(id);</a:t>
+              <a:t>(product);</a:t>
             </a:r>
           </a:p>
           <a:p>
@@ -24119,21 +24105,35 @@
                 <a:latin typeface="Courier New" pitchFamily="49" charset="0"/>
                 <a:cs typeface="Courier New" pitchFamily="49" charset="0"/>
               </a:rPr>
-              <a:t>public class </a:t>
+              <a:t>public </a:t>
+            </a:r>
+            <a:r>
+              <a:rPr lang="en-US" b="1" dirty="0" smtClean="0">
+                <a:latin typeface="Courier New" pitchFamily="49" charset="0"/>
+                <a:cs typeface="Courier New" pitchFamily="49" charset="0"/>
+              </a:rPr>
+              <a:t>class </a:t>
             </a:r>
             <a:r>
               <a:rPr lang="en-US" b="1" dirty="0" err="1" smtClean="0">
                 <a:latin typeface="Courier New" pitchFamily="49" charset="0"/>
                 <a:cs typeface="Courier New" pitchFamily="49" charset="0"/>
               </a:rPr>
-              <a:t>GetProductService</a:t>
+              <a:t>SaveProductService</a:t>
             </a:r>
             <a:r>
               <a:rPr lang="en-US" b="1" dirty="0" smtClean="0">
                 <a:latin typeface="Courier New" pitchFamily="49" charset="0"/>
                 <a:cs typeface="Courier New" pitchFamily="49" charset="0"/>
               </a:rPr>
-              <a:t> : </a:t>
+              <a:t> </a:t>
+            </a:r>
+            <a:r>
+              <a:rPr lang="en-US" b="1" dirty="0" smtClean="0">
+                <a:latin typeface="Courier New" pitchFamily="49" charset="0"/>
+                <a:cs typeface="Courier New" pitchFamily="49" charset="0"/>
+              </a:rPr>
+              <a:t>: </a:t>
             </a:r>
             <a:r>
               <a:rPr lang="en-US" b="1" dirty="0" err="1" smtClean="0">
@@ -24143,7 +24143,7 @@
                 <a:latin typeface="Courier New" pitchFamily="49" charset="0"/>
                 <a:cs typeface="Courier New" pitchFamily="49" charset="0"/>
               </a:rPr>
-              <a:t>IGetProductService</a:t>
+              <a:t>ISaveProductService</a:t>
             </a:r>
             <a:endParaRPr lang="en-US" b="1" dirty="0" smtClean="0">
               <a:solidFill>
@@ -24218,7 +24218,7 @@
                 <a:latin typeface="Courier New" pitchFamily="49" charset="0"/>
                 <a:cs typeface="Courier New" pitchFamily="49" charset="0"/>
               </a:rPr>
-              <a:t>GetProductService</a:t>
+              <a:t>SaveProductService</a:t>
             </a:r>
             <a:r>
               <a:rPr lang="en-US" b="1" dirty="0" smtClean="0">
@@ -24341,49 +24341,71 @@
                 <a:latin typeface="Courier New" pitchFamily="49" charset="0"/>
                 <a:cs typeface="Courier New" pitchFamily="49" charset="0"/>
               </a:rPr>
-              <a:t>    public </a:t>
+              <a:t>    public void Save(Product </a:t>
             </a:r>
             <a:r>
               <a:rPr lang="en-US" b="1" dirty="0" err="1" smtClean="0">
                 <a:latin typeface="Courier New" pitchFamily="49" charset="0"/>
                 <a:cs typeface="Courier New" pitchFamily="49" charset="0"/>
               </a:rPr>
-              <a:t>IList</a:t>
+              <a:t>product</a:t>
             </a:r>
             <a:r>
               <a:rPr lang="en-US" b="1" dirty="0" smtClean="0">
                 <a:latin typeface="Courier New" pitchFamily="49" charset="0"/>
                 <a:cs typeface="Courier New" pitchFamily="49" charset="0"/>
               </a:rPr>
-              <a:t>&lt;Product&gt; </a:t>
+              <a:t>)</a:t>
+            </a:r>
+          </a:p>
+          <a:p>
+            <a:r>
+              <a:rPr lang="en-US" b="1" dirty="0" smtClean="0">
+                <a:latin typeface="Courier New" pitchFamily="49" charset="0"/>
+                <a:cs typeface="Courier New" pitchFamily="49" charset="0"/>
+              </a:rPr>
+              <a:t>    {</a:t>
+            </a:r>
+          </a:p>
+          <a:p>
+            <a:r>
+              <a:rPr lang="en-US" b="1" dirty="0" smtClean="0">
+                <a:latin typeface="Courier New" pitchFamily="49" charset="0"/>
+                <a:cs typeface="Courier New" pitchFamily="49" charset="0"/>
+              </a:rPr>
+              <a:t>        Validate(product);</a:t>
+            </a:r>
+          </a:p>
+          <a:p>
+            <a:r>
+              <a:rPr lang="en-US" b="1" dirty="0" smtClean="0">
+                <a:latin typeface="Courier New" pitchFamily="49" charset="0"/>
+                <a:cs typeface="Courier New" pitchFamily="49" charset="0"/>
+              </a:rPr>
+              <a:t>        return _</a:t>
             </a:r>
             <a:r>
               <a:rPr lang="en-US" b="1" dirty="0" err="1" smtClean="0">
                 <a:latin typeface="Courier New" pitchFamily="49" charset="0"/>
                 <a:cs typeface="Courier New" pitchFamily="49" charset="0"/>
               </a:rPr>
-              <a:t>GetProductById</a:t>
+              <a:t>productRepository.Save</a:t>
             </a:r>
             <a:r>
               <a:rPr lang="en-US" b="1" dirty="0" smtClean="0">
                 <a:latin typeface="Courier New" pitchFamily="49" charset="0"/>
                 <a:cs typeface="Courier New" pitchFamily="49" charset="0"/>
               </a:rPr>
-              <a:t>(</a:t>
-            </a:r>
-            <a:r>
-              <a:rPr lang="en-US" b="1" dirty="0" err="1" smtClean="0">
-                <a:latin typeface="Courier New" pitchFamily="49" charset="0"/>
-                <a:cs typeface="Courier New" pitchFamily="49" charset="0"/>
-              </a:rPr>
-              <a:t>int</a:t>
-            </a:r>
+              <a:t>(product);</a:t>
+            </a:r>
+          </a:p>
+          <a:p>
             <a:r>
               <a:rPr lang="en-US" b="1" dirty="0" smtClean="0">
                 <a:latin typeface="Courier New" pitchFamily="49" charset="0"/>
                 <a:cs typeface="Courier New" pitchFamily="49" charset="0"/>
               </a:rPr>
-              <a:t> id)</a:t>
+              <a:t>    }</a:t>
             </a:r>
           </a:p>
           <a:p>
@@ -24392,51 +24414,8 @@
                 <a:latin typeface="Courier New" pitchFamily="49" charset="0"/>
                 <a:cs typeface="Courier New" pitchFamily="49" charset="0"/>
               </a:rPr>
-              <a:t>    {</a:t>
-            </a:r>
-          </a:p>
-          <a:p>
-            <a:r>
-              <a:rPr lang="en-US" b="1" dirty="0" smtClean="0">
-                <a:latin typeface="Courier New" pitchFamily="49" charset="0"/>
-                <a:cs typeface="Courier New" pitchFamily="49" charset="0"/>
-              </a:rPr>
-              <a:t>        return _</a:t>
-            </a:r>
-            <a:r>
-              <a:rPr lang="en-US" b="1" dirty="0" err="1" smtClean="0">
-                <a:latin typeface="Courier New" pitchFamily="49" charset="0"/>
-                <a:cs typeface="Courier New" pitchFamily="49" charset="0"/>
-              </a:rPr>
-              <a:t>productRepository.Get</a:t>
-            </a:r>
-            <a:r>
-              <a:rPr lang="en-US" b="1" dirty="0" smtClean="0">
-                <a:latin typeface="Courier New" pitchFamily="49" charset="0"/>
-                <a:cs typeface="Courier New" pitchFamily="49" charset="0"/>
-              </a:rPr>
-              <a:t>(id);</a:t>
-            </a:r>
-          </a:p>
-          <a:p>
-            <a:r>
-              <a:rPr lang="en-US" b="1" dirty="0" smtClean="0">
-                <a:latin typeface="Courier New" pitchFamily="49" charset="0"/>
-                <a:cs typeface="Courier New" pitchFamily="49" charset="0"/>
-              </a:rPr>
-              <a:t>    }</a:t>
-            </a:r>
-          </a:p>
-          <a:p>
-            <a:r>
-              <a:rPr lang="en-US" b="1" dirty="0" smtClean="0">
-                <a:latin typeface="Courier New" pitchFamily="49" charset="0"/>
-                <a:cs typeface="Courier New" pitchFamily="49" charset="0"/>
-              </a:rPr>
               <a:t>}</a:t>
             </a:r>
-          </a:p>
-          <a:p>
             <a:endParaRPr lang="en-US" b="1" dirty="0">
               <a:latin typeface="Courier New" pitchFamily="49" charset="0"/>
               <a:cs typeface="Courier New" pitchFamily="49" charset="0"/>
@@ -25119,8 +25098,8 @@
         </p:nvSpPr>
         <p:spPr>
           <a:xfrm>
-            <a:off x="609600" y="1752600"/>
-            <a:ext cx="8001000" cy="1200329"/>
+            <a:off x="304800" y="1752600"/>
+            <a:ext cx="8534400" cy="1200329"/>
           </a:xfrm>
           <a:prstGeom prst="rect">
             <a:avLst/>
@@ -25188,21 +25167,28 @@
                 <a:latin typeface="Courier New" pitchFamily="49" charset="0"/>
                 <a:cs typeface="Courier New" pitchFamily="49" charset="0"/>
               </a:rPr>
-              <a:t>IGetProductService</a:t>
+              <a:t>ISaveProductService</a:t>
             </a:r>
             <a:r>
               <a:rPr lang="en-US" b="1" dirty="0" smtClean="0">
                 <a:latin typeface="Courier New" pitchFamily="49" charset="0"/>
                 <a:cs typeface="Courier New" pitchFamily="49" charset="0"/>
               </a:rPr>
-              <a:t>&gt;().Use&lt;</a:t>
+              <a:t>&gt;().</a:t>
+            </a:r>
+            <a:r>
+              <a:rPr lang="en-US" b="1" dirty="0" smtClean="0">
+                <a:latin typeface="Courier New" pitchFamily="49" charset="0"/>
+                <a:cs typeface="Courier New" pitchFamily="49" charset="0"/>
+              </a:rPr>
+              <a:t>Use&lt;</a:t>
             </a:r>
             <a:r>
               <a:rPr lang="en-US" b="1" dirty="0" err="1" smtClean="0">
                 <a:latin typeface="Courier New" pitchFamily="49" charset="0"/>
                 <a:cs typeface="Courier New" pitchFamily="49" charset="0"/>
               </a:rPr>
-              <a:t>GetProductService</a:t>
+              <a:t>SaveProductService</a:t>
             </a:r>
             <a:r>
               <a:rPr lang="en-US" b="1" dirty="0" smtClean="0">
@@ -27798,25 +27784,6 @@
           <a:p>
             <a:r>
               <a:rPr lang="en-US" sz="2600" dirty="0" smtClean="0"/>
-              <a:t>Uncle Bob talking about SOLID on </a:t>
-            </a:r>
-            <a:r>
-              <a:rPr lang="en-US" sz="2600" dirty="0" err="1" smtClean="0"/>
-              <a:t>Hanselminutes</a:t>
-            </a:r>
-            <a:endParaRPr lang="en-US" sz="2600" dirty="0" smtClean="0"/>
-          </a:p>
-          <a:p>
-            <a:pPr lvl="1"/>
-            <a:r>
-              <a:rPr lang="en-US" sz="2600" b="1" dirty="0" smtClean="0"/>
-              <a:t>http://bit.ly/solid2</a:t>
-            </a:r>
-            <a:endParaRPr lang="en-US" sz="2600" dirty="0" smtClean="0"/>
-          </a:p>
-          <a:p>
-            <a:r>
-              <a:rPr lang="en-US" sz="2600" dirty="0" smtClean="0"/>
               <a:t>My slides </a:t>
             </a:r>
           </a:p>
@@ -27857,8 +27824,8 @@
         </p:nvSpPr>
         <p:spPr>
           <a:xfrm>
-            <a:off x="381000" y="4724400"/>
-            <a:ext cx="8458200" cy="1815882"/>
+            <a:off x="381000" y="4230231"/>
+            <a:ext cx="8458200" cy="2246769"/>
           </a:xfrm>
           <a:prstGeom prst="rect">
             <a:avLst/>
@@ -27872,13 +27839,6 @@
           <a:lstStyle/>
           <a:p>
             <a:r>
-              <a:rPr lang="en-US" sz="2800" b="1" i="1" u="sng" dirty="0" smtClean="0"/>
-              <a:t>My Info:</a:t>
-            </a:r>
-            <a:endParaRPr lang="en-US" sz="2800" i="1" u="sng" dirty="0" smtClean="0"/>
-          </a:p>
-          <a:p>
-            <a:r>
               <a:rPr lang="en-US" sz="2800" dirty="0" smtClean="0"/>
               <a:t>email: </a:t>
             </a:r>
@@ -27921,17 +27881,29 @@
             <a:endParaRPr lang="en-US" sz="2800" b="1" dirty="0" smtClean="0"/>
           </a:p>
           <a:p>
-            <a:r>
-              <a:rPr lang="en-US" sz="2800" smtClean="0"/>
+            <a:endParaRPr lang="en-US" sz="2800" b="1" dirty="0" smtClean="0"/>
+          </a:p>
+          <a:p>
+            <a:r>
+              <a:rPr lang="en-US" sz="2800" dirty="0" smtClean="0"/>
               <a:t>TDD training:</a:t>
             </a:r>
             <a:r>
-              <a:rPr lang="en-US" sz="2800" b="1" smtClean="0"/>
+              <a:rPr lang="en-US" sz="2800" b="1" dirty="0" smtClean="0"/>
               <a:t> </a:t>
             </a:r>
             <a:r>
+              <a:rPr lang="en-US" sz="2800" b="1" dirty="0" smtClean="0">
+                <a:hlinkClick r:id="rId3"/>
+              </a:rPr>
+              <a:t>http://tddbootcamp.com</a:t>
+            </a:r>
+            <a:endParaRPr lang="en-US" sz="2800" b="1" dirty="0" smtClean="0"/>
+          </a:p>
+          <a:p>
+            <a:r>
               <a:rPr lang="en-US" sz="2800" b="1" dirty="0" smtClean="0"/>
-              <a:t>http://tddbootcamp.com</a:t>
+              <a:t>August 18-20 at Microsoft office in Southfield</a:t>
             </a:r>
             <a:endParaRPr lang="en-US" sz="2800" b="1" dirty="0"/>
           </a:p>
